--- a/cmu/SurePark/Pictures.pptx
+++ b/cmu/SurePark/Pictures.pptx
@@ -274,7 +274,7 @@
           <a:p>
             <a:fld id="{30D46686-9C38-4F0D-B0C6-D73A6F36E862}" type="datetimeFigureOut">
               <a:rPr lang="ko-KR" altLang="en-US" smtClean="0"/>
-              <a:t>2016-06-13</a:t>
+              <a:t>2016-06-14</a:t>
             </a:fld>
             <a:endParaRPr lang="ko-KR" altLang="en-US"/>
           </a:p>
@@ -444,7 +444,7 @@
           <a:p>
             <a:fld id="{30D46686-9C38-4F0D-B0C6-D73A6F36E862}" type="datetimeFigureOut">
               <a:rPr lang="ko-KR" altLang="en-US" smtClean="0"/>
-              <a:t>2016-06-13</a:t>
+              <a:t>2016-06-14</a:t>
             </a:fld>
             <a:endParaRPr lang="ko-KR" altLang="en-US"/>
           </a:p>
@@ -624,7 +624,7 @@
           <a:p>
             <a:fld id="{30D46686-9C38-4F0D-B0C6-D73A6F36E862}" type="datetimeFigureOut">
               <a:rPr lang="ko-KR" altLang="en-US" smtClean="0"/>
-              <a:t>2016-06-13</a:t>
+              <a:t>2016-06-14</a:t>
             </a:fld>
             <a:endParaRPr lang="ko-KR" altLang="en-US"/>
           </a:p>
@@ -794,7 +794,7 @@
           <a:p>
             <a:fld id="{30D46686-9C38-4F0D-B0C6-D73A6F36E862}" type="datetimeFigureOut">
               <a:rPr lang="ko-KR" altLang="en-US" smtClean="0"/>
-              <a:t>2016-06-13</a:t>
+              <a:t>2016-06-14</a:t>
             </a:fld>
             <a:endParaRPr lang="ko-KR" altLang="en-US"/>
           </a:p>
@@ -1038,7 +1038,7 @@
           <a:p>
             <a:fld id="{30D46686-9C38-4F0D-B0C6-D73A6F36E862}" type="datetimeFigureOut">
               <a:rPr lang="ko-KR" altLang="en-US" smtClean="0"/>
-              <a:t>2016-06-13</a:t>
+              <a:t>2016-06-14</a:t>
             </a:fld>
             <a:endParaRPr lang="ko-KR" altLang="en-US"/>
           </a:p>
@@ -1270,7 +1270,7 @@
           <a:p>
             <a:fld id="{30D46686-9C38-4F0D-B0C6-D73A6F36E862}" type="datetimeFigureOut">
               <a:rPr lang="ko-KR" altLang="en-US" smtClean="0"/>
-              <a:t>2016-06-13</a:t>
+              <a:t>2016-06-14</a:t>
             </a:fld>
             <a:endParaRPr lang="ko-KR" altLang="en-US"/>
           </a:p>
@@ -1637,7 +1637,7 @@
           <a:p>
             <a:fld id="{30D46686-9C38-4F0D-B0C6-D73A6F36E862}" type="datetimeFigureOut">
               <a:rPr lang="ko-KR" altLang="en-US" smtClean="0"/>
-              <a:t>2016-06-13</a:t>
+              <a:t>2016-06-14</a:t>
             </a:fld>
             <a:endParaRPr lang="ko-KR" altLang="en-US"/>
           </a:p>
@@ -1755,7 +1755,7 @@
           <a:p>
             <a:fld id="{30D46686-9C38-4F0D-B0C6-D73A6F36E862}" type="datetimeFigureOut">
               <a:rPr lang="ko-KR" altLang="en-US" smtClean="0"/>
-              <a:t>2016-06-13</a:t>
+              <a:t>2016-06-14</a:t>
             </a:fld>
             <a:endParaRPr lang="ko-KR" altLang="en-US"/>
           </a:p>
@@ -1850,7 +1850,7 @@
           <a:p>
             <a:fld id="{30D46686-9C38-4F0D-B0C6-D73A6F36E862}" type="datetimeFigureOut">
               <a:rPr lang="ko-KR" altLang="en-US" smtClean="0"/>
-              <a:t>2016-06-13</a:t>
+              <a:t>2016-06-14</a:t>
             </a:fld>
             <a:endParaRPr lang="ko-KR" altLang="en-US"/>
           </a:p>
@@ -2127,7 +2127,7 @@
           <a:p>
             <a:fld id="{30D46686-9C38-4F0D-B0C6-D73A6F36E862}" type="datetimeFigureOut">
               <a:rPr lang="ko-KR" altLang="en-US" smtClean="0"/>
-              <a:t>2016-06-13</a:t>
+              <a:t>2016-06-14</a:t>
             </a:fld>
             <a:endParaRPr lang="ko-KR" altLang="en-US"/>
           </a:p>
@@ -2384,7 +2384,7 @@
           <a:p>
             <a:fld id="{30D46686-9C38-4F0D-B0C6-D73A6F36E862}" type="datetimeFigureOut">
               <a:rPr lang="ko-KR" altLang="en-US" smtClean="0"/>
-              <a:t>2016-06-13</a:t>
+              <a:t>2016-06-14</a:t>
             </a:fld>
             <a:endParaRPr lang="ko-KR" altLang="en-US"/>
           </a:p>
@@ -2597,7 +2597,7 @@
           <a:p>
             <a:fld id="{30D46686-9C38-4F0D-B0C6-D73A6F36E862}" type="datetimeFigureOut">
               <a:rPr lang="ko-KR" altLang="en-US" smtClean="0"/>
-              <a:t>2016-06-13</a:t>
+              <a:t>2016-06-14</a:t>
             </a:fld>
             <a:endParaRPr lang="ko-KR" altLang="en-US"/>
           </a:p>
@@ -6648,19 +6648,7 @@
                         <a:rPr lang="en-US" altLang="ko-KR" sz="1600" baseline="0" dirty="0" smtClean="0">
                           <a:latin typeface="+mn-lt"/>
                         </a:rPr>
-                        <a:t> of parking slots, turn on/off LEDs, </a:t>
-                      </a:r>
-                      <a:r>
-                        <a:rPr lang="en-US" altLang="ko-KR" sz="1600" baseline="0" dirty="0" smtClean="0">
-                          <a:latin typeface="+mn-lt"/>
-                        </a:rPr>
-                        <a:t>detect a car at the gates </a:t>
-                      </a:r>
-                      <a:r>
-                        <a:rPr lang="en-US" altLang="ko-KR" sz="1600" baseline="0" dirty="0" smtClean="0">
-                          <a:latin typeface="+mn-lt"/>
-                        </a:rPr>
-                        <a:t>and open/close the gates.</a:t>
+                        <a:t> of parking slots, turn on/off LEDs, detect a car at the gates and open/close the gates.</a:t>
                       </a:r>
                     </a:p>
                     <a:p>
@@ -6683,9 +6671,6 @@
                         </a:rPr>
                         <a:t> Manager to control LEDs and/or gates.</a:t>
                       </a:r>
-                      <a:endParaRPr lang="en-US" altLang="ko-KR" sz="1600" baseline="0" dirty="0" smtClean="0">
-                        <a:latin typeface="+mn-lt"/>
-                      </a:endParaRPr>
                     </a:p>
                     <a:p>
                       <a:pPr latinLnBrk="1"/>
@@ -6705,19 +6690,7 @@
                         <a:rPr lang="en-US" altLang="ko-KR" sz="1600" baseline="0" dirty="0" smtClean="0">
                           <a:latin typeface="+mn-lt"/>
                         </a:rPr>
-                        <a:t> Manager </a:t>
-                      </a:r>
-                      <a:r>
-                        <a:rPr lang="en-US" altLang="ko-KR" sz="1600" baseline="0" dirty="0" smtClean="0">
-                          <a:latin typeface="+mn-lt"/>
-                        </a:rPr>
-                        <a:t>to update the status of parking slots</a:t>
-                      </a:r>
-                      <a:r>
-                        <a:rPr lang="en-US" altLang="ko-KR" sz="1600" baseline="0" dirty="0" smtClean="0">
-                          <a:latin typeface="+mn-lt"/>
-                        </a:rPr>
-                        <a:t>.</a:t>
+                        <a:t> Manager to update the status of parking slots.</a:t>
                       </a:r>
                       <a:endParaRPr lang="ko-KR" altLang="en-US" sz="1600" dirty="0">
                         <a:latin typeface="+mn-lt"/>
@@ -8459,7 +8432,7 @@
         </p:nvSpPr>
         <p:spPr>
           <a:xfrm>
-            <a:off x="4621392" y="4660440"/>
+            <a:off x="4051117" y="4660440"/>
             <a:ext cx="1944000" cy="1296000"/>
           </a:xfrm>
           <a:prstGeom prst="rect">
@@ -8519,7 +8492,7 @@
         </p:nvSpPr>
         <p:spPr>
           <a:xfrm>
-            <a:off x="4621392" y="4516440"/>
+            <a:off x="4051117" y="4516440"/>
             <a:ext cx="720000" cy="144000"/>
           </a:xfrm>
           <a:prstGeom prst="trapezoid">
@@ -8569,7 +8542,7 @@
         </p:nvSpPr>
         <p:spPr>
           <a:xfrm>
-            <a:off x="3740009" y="2311565"/>
+            <a:off x="3317809" y="2311565"/>
             <a:ext cx="1152000" cy="1296000"/>
           </a:xfrm>
           <a:prstGeom prst="foldedCorner">
@@ -8639,7 +8612,7 @@
         </p:nvSpPr>
         <p:spPr>
           <a:xfrm>
-            <a:off x="5413392" y="2311565"/>
+            <a:off x="4843117" y="2311565"/>
             <a:ext cx="1152000" cy="1296000"/>
           </a:xfrm>
           <a:prstGeom prst="foldedCorner">
@@ -8711,8 +8684,8 @@
         </p:nvCxnSpPr>
         <p:spPr>
           <a:xfrm>
-            <a:off x="2661242" y="2524126"/>
-            <a:ext cx="1078767" cy="435439"/>
+            <a:off x="2715250" y="2519826"/>
+            <a:ext cx="602559" cy="439739"/>
           </a:xfrm>
           <a:prstGeom prst="line">
             <a:avLst/>
@@ -8750,8 +8723,8 @@
         </p:nvCxnSpPr>
         <p:spPr>
           <a:xfrm flipV="1">
-            <a:off x="2661242" y="2959565"/>
-            <a:ext cx="1078767" cy="1916876"/>
+            <a:off x="2638979" y="2959565"/>
+            <a:ext cx="678830" cy="1905725"/>
           </a:xfrm>
           <a:prstGeom prst="line">
             <a:avLst/>
@@ -8789,8 +8762,8 @@
         </p:nvCxnSpPr>
         <p:spPr>
           <a:xfrm flipV="1">
-            <a:off x="2755079" y="3607565"/>
-            <a:ext cx="3234313" cy="1345435"/>
+            <a:off x="2735170" y="3607565"/>
+            <a:ext cx="2683947" cy="1293881"/>
           </a:xfrm>
           <a:prstGeom prst="line">
             <a:avLst/>
@@ -8828,7 +8801,7 @@
         </p:nvCxnSpPr>
         <p:spPr>
           <a:xfrm flipH="1" flipV="1">
-            <a:off x="5989392" y="3607565"/>
+            <a:off x="5419117" y="3607565"/>
             <a:ext cx="373308" cy="1268876"/>
           </a:xfrm>
           <a:prstGeom prst="line">
@@ -8857,6 +8830,359 @@
           </a:fontRef>
         </p:style>
       </p:cxnSp>
+      <p:sp>
+        <p:nvSpPr>
+          <p:cNvPr id="15" name="직사각형 14"/>
+          <p:cNvSpPr/>
+          <p:nvPr/>
+        </p:nvSpPr>
+        <p:spPr>
+          <a:xfrm>
+            <a:off x="6341525" y="4385604"/>
+            <a:ext cx="1637800" cy="1570836"/>
+          </a:xfrm>
+          <a:prstGeom prst="rect">
+            <a:avLst/>
+          </a:prstGeom>
+          <a:noFill/>
+          <a:ln>
+            <a:solidFill>
+              <a:schemeClr val="tx1"/>
+            </a:solidFill>
+          </a:ln>
+        </p:spPr>
+        <p:style>
+          <a:lnRef idx="2">
+            <a:schemeClr val="accent1">
+              <a:shade val="50000"/>
+            </a:schemeClr>
+          </a:lnRef>
+          <a:fillRef idx="1">
+            <a:schemeClr val="accent1"/>
+          </a:fillRef>
+          <a:effectRef idx="0">
+            <a:schemeClr val="accent1"/>
+          </a:effectRef>
+          <a:fontRef idx="minor">
+            <a:schemeClr val="lt1"/>
+          </a:fontRef>
+        </p:style>
+        <p:txBody>
+          <a:bodyPr rtlCol="0" anchor="ctr"/>
+          <a:lstStyle/>
+          <a:p>
+            <a:pPr algn="ctr"/>
+            <a:endParaRPr lang="ko-KR" altLang="en-US"/>
+          </a:p>
+        </p:txBody>
+      </p:sp>
+      <p:sp>
+        <p:nvSpPr>
+          <p:cNvPr id="16" name="직사각형 15"/>
+          <p:cNvSpPr/>
+          <p:nvPr/>
+        </p:nvSpPr>
+        <p:spPr>
+          <a:xfrm>
+            <a:off x="6341525" y="4429259"/>
+            <a:ext cx="1637800" cy="360000"/>
+          </a:xfrm>
+          <a:prstGeom prst="rect">
+            <a:avLst/>
+          </a:prstGeom>
+          <a:noFill/>
+          <a:ln>
+            <a:noFill/>
+          </a:ln>
+        </p:spPr>
+        <p:style>
+          <a:lnRef idx="2">
+            <a:schemeClr val="accent1">
+              <a:shade val="50000"/>
+            </a:schemeClr>
+          </a:lnRef>
+          <a:fillRef idx="1">
+            <a:schemeClr val="accent1"/>
+          </a:fillRef>
+          <a:effectRef idx="0">
+            <a:schemeClr val="accent1"/>
+          </a:effectRef>
+          <a:fontRef idx="minor">
+            <a:schemeClr val="lt1"/>
+          </a:fontRef>
+        </p:style>
+        <p:txBody>
+          <a:bodyPr lIns="144000" rtlCol="0" anchor="ctr"/>
+          <a:lstStyle/>
+          <a:p>
+            <a:r>
+              <a:rPr lang="en-US" altLang="ko-KR" sz="1400" b="1" i="1" u="sng" dirty="0" smtClean="0">
+                <a:solidFill>
+                  <a:schemeClr val="tx1"/>
+                </a:solidFill>
+              </a:rPr>
+              <a:t>Legend</a:t>
+            </a:r>
+            <a:endParaRPr lang="ko-KR" altLang="en-US" sz="1400" b="1" i="1" u="sng">
+              <a:solidFill>
+                <a:schemeClr val="tx1"/>
+              </a:solidFill>
+            </a:endParaRPr>
+          </a:p>
+        </p:txBody>
+      </p:sp>
+      <p:graphicFrame>
+        <p:nvGraphicFramePr>
+          <p:cNvPr id="18" name="표 17"/>
+          <p:cNvGraphicFramePr>
+            <a:graphicFrameLocks noGrp="1"/>
+          </p:cNvGraphicFramePr>
+          <p:nvPr>
+            <p:extLst>
+              <p:ext uri="{D42A27DB-BD31-4B8C-83A1-F6EECF244321}">
+                <p14:modId xmlns:p14="http://schemas.microsoft.com/office/powerpoint/2010/main" val="2918359647"/>
+              </p:ext>
+            </p:extLst>
+          </p:nvPr>
+        </p:nvGraphicFramePr>
+        <p:xfrm>
+          <a:off x="7074073" y="4791659"/>
+          <a:ext cx="900402" cy="1069480"/>
+        </p:xfrm>
+        <a:graphic>
+          <a:graphicData uri="http://schemas.openxmlformats.org/drawingml/2006/table">
+            <a:tbl>
+              <a:tblPr firstRow="1" bandRow="1">
+                <a:tableStyleId>{2D5ABB26-0587-4C30-8999-92F81FD0307C}</a:tableStyleId>
+              </a:tblPr>
+              <a:tblGrid>
+                <a:gridCol w="900402"/>
+              </a:tblGrid>
+              <a:tr h="534740">
+                <a:tc>
+                  <a:txBody>
+                    <a:bodyPr/>
+                    <a:lstStyle/>
+                    <a:p>
+                      <a:pPr algn="l" latinLnBrk="1"/>
+                      <a:r>
+                        <a:rPr lang="en-US" altLang="ko-KR" sz="1400" dirty="0" smtClean="0">
+                          <a:latin typeface="+mn-lt"/>
+                        </a:rPr>
+                        <a:t>Package</a:t>
+                      </a:r>
+                      <a:endParaRPr lang="ko-KR" altLang="en-US" sz="1400" dirty="0">
+                        <a:latin typeface="+mn-lt"/>
+                      </a:endParaRPr>
+                    </a:p>
+                  </a:txBody>
+                  <a:tcPr anchor="ctr"/>
+                </a:tc>
+              </a:tr>
+              <a:tr h="534740">
+                <a:tc>
+                  <a:txBody>
+                    <a:bodyPr/>
+                    <a:lstStyle/>
+                    <a:p>
+                      <a:pPr algn="l" latinLnBrk="1"/>
+                      <a:r>
+                        <a:rPr lang="en-US" altLang="ko-KR" sz="1400" dirty="0" smtClean="0">
+                          <a:latin typeface="+mn-lt"/>
+                        </a:rPr>
+                        <a:t>Note</a:t>
+                      </a:r>
+                      <a:endParaRPr lang="ko-KR" altLang="en-US" sz="1400">
+                        <a:latin typeface="+mn-lt"/>
+                      </a:endParaRPr>
+                    </a:p>
+                  </a:txBody>
+                  <a:tcPr anchor="ctr"/>
+                </a:tc>
+              </a:tr>
+            </a:tbl>
+          </a:graphicData>
+        </a:graphic>
+      </p:graphicFrame>
+      <p:grpSp>
+        <p:nvGrpSpPr>
+          <p:cNvPr id="3" name="그룹 2"/>
+          <p:cNvGrpSpPr/>
+          <p:nvPr/>
+        </p:nvGrpSpPr>
+        <p:grpSpPr>
+          <a:xfrm>
+            <a:off x="6502434" y="4865290"/>
+            <a:ext cx="442635" cy="361564"/>
+            <a:chOff x="5057814" y="590160"/>
+            <a:chExt cx="1944000" cy="1440000"/>
+          </a:xfrm>
+        </p:grpSpPr>
+        <p:sp>
+          <p:nvSpPr>
+            <p:cNvPr id="26" name="직사각형 25"/>
+            <p:cNvSpPr/>
+            <p:nvPr/>
+          </p:nvSpPr>
+          <p:spPr>
+            <a:xfrm>
+              <a:off x="5057814" y="734160"/>
+              <a:ext cx="1944000" cy="1296000"/>
+            </a:xfrm>
+            <a:prstGeom prst="rect">
+              <a:avLst/>
+            </a:prstGeom>
+            <a:solidFill>
+              <a:schemeClr val="bg1"/>
+            </a:solidFill>
+            <a:ln>
+              <a:solidFill>
+                <a:schemeClr val="tx1"/>
+              </a:solidFill>
+            </a:ln>
+          </p:spPr>
+          <p:style>
+            <a:lnRef idx="2">
+              <a:schemeClr val="accent3">
+                <a:shade val="50000"/>
+              </a:schemeClr>
+            </a:lnRef>
+            <a:fillRef idx="1">
+              <a:schemeClr val="accent3"/>
+            </a:fillRef>
+            <a:effectRef idx="0">
+              <a:schemeClr val="accent3"/>
+            </a:effectRef>
+            <a:fontRef idx="minor">
+              <a:schemeClr val="lt1"/>
+            </a:fontRef>
+          </p:style>
+          <p:txBody>
+            <a:bodyPr rtlCol="0" anchor="ctr"/>
+            <a:lstStyle/>
+            <a:p>
+              <a:pPr algn="ctr"/>
+              <a:endParaRPr lang="ko-KR" altLang="en-US" sz="1600" dirty="0">
+                <a:solidFill>
+                  <a:schemeClr val="tx1"/>
+                </a:solidFill>
+              </a:endParaRPr>
+            </a:p>
+          </p:txBody>
+        </p:sp>
+        <p:sp>
+          <p:nvSpPr>
+            <p:cNvPr id="27" name="사다리꼴 26"/>
+            <p:cNvSpPr/>
+            <p:nvPr/>
+          </p:nvSpPr>
+          <p:spPr>
+            <a:xfrm>
+              <a:off x="5057814" y="590160"/>
+              <a:ext cx="720000" cy="144000"/>
+            </a:xfrm>
+            <a:prstGeom prst="trapezoid">
+              <a:avLst>
+                <a:gd name="adj" fmla="val 47951"/>
+              </a:avLst>
+            </a:prstGeom>
+            <a:solidFill>
+              <a:schemeClr val="bg1"/>
+            </a:solidFill>
+            <a:ln>
+              <a:solidFill>
+                <a:schemeClr val="tx1"/>
+              </a:solidFill>
+            </a:ln>
+          </p:spPr>
+          <p:style>
+            <a:lnRef idx="2">
+              <a:schemeClr val="accent1">
+                <a:shade val="50000"/>
+              </a:schemeClr>
+            </a:lnRef>
+            <a:fillRef idx="1">
+              <a:schemeClr val="accent1"/>
+            </a:fillRef>
+            <a:effectRef idx="0">
+              <a:schemeClr val="accent1"/>
+            </a:effectRef>
+            <a:fontRef idx="minor">
+              <a:schemeClr val="lt1"/>
+            </a:fontRef>
+          </p:style>
+          <p:txBody>
+            <a:bodyPr rtlCol="0" anchor="ctr"/>
+            <a:lstStyle/>
+            <a:p>
+              <a:pPr algn="ctr"/>
+              <a:endParaRPr lang="ko-KR" altLang="en-US"/>
+            </a:p>
+          </p:txBody>
+        </p:sp>
+      </p:grpSp>
+      <p:sp>
+        <p:nvSpPr>
+          <p:cNvPr id="30" name="모서리가 접힌 도형 29"/>
+          <p:cNvSpPr/>
+          <p:nvPr/>
+        </p:nvSpPr>
+        <p:spPr>
+          <a:xfrm>
+            <a:off x="6502434" y="5446509"/>
+            <a:ext cx="451846" cy="325408"/>
+          </a:xfrm>
+          <a:prstGeom prst="foldedCorner">
+            <a:avLst/>
+          </a:prstGeom>
+          <a:solidFill>
+            <a:schemeClr val="accent1">
+              <a:lumMod val="20000"/>
+              <a:lumOff val="80000"/>
+            </a:schemeClr>
+          </a:solidFill>
+          <a:ln>
+            <a:solidFill>
+              <a:schemeClr val="tx1"/>
+            </a:solidFill>
+          </a:ln>
+        </p:spPr>
+        <p:style>
+          <a:lnRef idx="2">
+            <a:schemeClr val="accent1">
+              <a:shade val="50000"/>
+            </a:schemeClr>
+          </a:lnRef>
+          <a:fillRef idx="1">
+            <a:schemeClr val="accent1"/>
+          </a:fillRef>
+          <a:effectRef idx="0">
+            <a:schemeClr val="accent1"/>
+          </a:effectRef>
+          <a:fontRef idx="minor">
+            <a:schemeClr val="lt1"/>
+          </a:fontRef>
+        </p:style>
+        <p:txBody>
+          <a:bodyPr rtlCol="0" anchor="ctr">
+            <a:scene3d>
+              <a:camera prst="orthographicFront">
+                <a:rot lat="0" lon="0" rev="0"/>
+              </a:camera>
+              <a:lightRig rig="threePt" dir="t"/>
+            </a:scene3d>
+          </a:bodyPr>
+          <a:lstStyle/>
+          <a:p>
+            <a:pPr algn="ctr"/>
+            <a:endParaRPr lang="ko-KR" altLang="en-US" sz="1400" dirty="0">
+              <a:solidFill>
+                <a:schemeClr val="tx1"/>
+              </a:solidFill>
+            </a:endParaRPr>
+          </a:p>
+        </p:txBody>
+      </p:sp>
     </p:spTree>
     <p:extLst>
       <p:ext uri="{BB962C8B-B14F-4D97-AF65-F5344CB8AC3E}">

--- a/cmu/SurePark/Pictures.pptx
+++ b/cmu/SurePark/Pictures.pptx
@@ -8,12 +8,13 @@
     <p:sldId id="256" r:id="rId2"/>
     <p:sldId id="258" r:id="rId3"/>
     <p:sldId id="257" r:id="rId4"/>
-    <p:sldId id="259" r:id="rId5"/>
-    <p:sldId id="263" r:id="rId6"/>
-    <p:sldId id="265" r:id="rId7"/>
+    <p:sldId id="265" r:id="rId5"/>
+    <p:sldId id="259" r:id="rId6"/>
+    <p:sldId id="263" r:id="rId7"/>
     <p:sldId id="262" r:id="rId8"/>
-    <p:sldId id="261" r:id="rId9"/>
-    <p:sldId id="260" r:id="rId10"/>
+    <p:sldId id="266" r:id="rId9"/>
+    <p:sldId id="261" r:id="rId10"/>
+    <p:sldId id="260" r:id="rId11"/>
   </p:sldIdLst>
   <p:sldSz cx="9144000" cy="6858000" type="screen4x3"/>
   <p:notesSz cx="6858000" cy="9144000"/>
@@ -3074,6 +3075,109 @@
 </p:sld>
 </file>
 
+<file path=ppt/slides/slide10.xml><?xml version="1.0" encoding="utf-8"?>
+<p:sld xmlns:a="http://schemas.openxmlformats.org/drawingml/2006/main" xmlns:r="http://schemas.openxmlformats.org/officeDocument/2006/relationships" xmlns:p="http://schemas.openxmlformats.org/presentationml/2006/main">
+  <p:cSld>
+    <p:spTree>
+      <p:nvGrpSpPr>
+        <p:cNvPr id="1" name=""/>
+        <p:cNvGrpSpPr/>
+        <p:nvPr/>
+      </p:nvGrpSpPr>
+      <p:grpSpPr>
+        <a:xfrm>
+          <a:off x="0" y="0"/>
+          <a:ext cx="0" cy="0"/>
+          <a:chOff x="0" y="0"/>
+          <a:chExt cx="0" cy="0"/>
+        </a:xfrm>
+      </p:grpSpPr>
+      <p:sp>
+        <p:nvSpPr>
+          <p:cNvPr id="2" name="제목 1"/>
+          <p:cNvSpPr>
+            <a:spLocks noGrp="1"/>
+          </p:cNvSpPr>
+          <p:nvPr>
+            <p:ph type="title"/>
+          </p:nvPr>
+        </p:nvSpPr>
+        <p:spPr/>
+        <p:txBody>
+          <a:bodyPr/>
+          <a:lstStyle/>
+          <a:p>
+            <a:r>
+              <a:rPr lang="en-US" altLang="ko-KR" dirty="0" smtClean="0"/>
+              <a:t>Rationale</a:t>
+            </a:r>
+            <a:endParaRPr lang="ko-KR" altLang="en-US"/>
+          </a:p>
+        </p:txBody>
+      </p:sp>
+      <p:sp>
+        <p:nvSpPr>
+          <p:cNvPr id="3" name="내용 개체 틀 2"/>
+          <p:cNvSpPr>
+            <a:spLocks noGrp="1"/>
+          </p:cNvSpPr>
+          <p:nvPr>
+            <p:ph idx="1"/>
+          </p:nvPr>
+        </p:nvSpPr>
+        <p:spPr/>
+        <p:txBody>
+          <a:bodyPr/>
+          <a:lstStyle/>
+          <a:p>
+            <a:endParaRPr lang="ko-KR" altLang="en-US" dirty="0"/>
+          </a:p>
+        </p:txBody>
+      </p:sp>
+      <p:pic>
+        <p:nvPicPr>
+          <p:cNvPr id="5" name="그림 4"/>
+          <p:cNvPicPr>
+            <a:picLocks noChangeAspect="1"/>
+          </p:cNvPicPr>
+          <p:nvPr/>
+        </p:nvPicPr>
+        <p:blipFill>
+          <a:blip r:embed="rId2"/>
+          <a:stretch>
+            <a:fillRect/>
+          </a:stretch>
+        </p:blipFill>
+        <p:spPr>
+          <a:xfrm rot="5400000">
+            <a:off x="1357340" y="-1117679"/>
+            <a:ext cx="6429320" cy="9093358"/>
+          </a:xfrm>
+          <a:prstGeom prst="rect">
+            <a:avLst/>
+          </a:prstGeom>
+        </p:spPr>
+      </p:pic>
+    </p:spTree>
+    <p:extLst>
+      <p:ext uri="{BB962C8B-B14F-4D97-AF65-F5344CB8AC3E}">
+        <p14:creationId xmlns:p14="http://schemas.microsoft.com/office/powerpoint/2010/main" val="1668198673"/>
+      </p:ext>
+    </p:extLst>
+  </p:cSld>
+  <p:clrMapOvr>
+    <a:masterClrMapping/>
+  </p:clrMapOvr>
+  <p:timing>
+    <p:tnLst>
+      <p:par>
+        <p:cTn id="1" dur="indefinite" restart="never" nodeType="tmRoot"/>
+      </p:par>
+    </p:tnLst>
+  </p:timing>
+</p:sld>
+</file>
+
 <file path=ppt/slides/slide2.xml><?xml version="1.0" encoding="utf-8"?>
 <p:sld xmlns:a="http://schemas.openxmlformats.org/drawingml/2006/main" xmlns:r="http://schemas.openxmlformats.org/officeDocument/2006/relationships" xmlns:p="http://schemas.openxmlformats.org/presentationml/2006/main">
   <p:cSld>
@@ -6361,6 +6465,1053 @@
 </file>
 
 <file path=ppt/slides/slide4.xml><?xml version="1.0" encoding="utf-8"?>
+<p:sld xmlns:a="http://schemas.openxmlformats.org/drawingml/2006/main" xmlns:r="http://schemas.openxmlformats.org/officeDocument/2006/relationships" xmlns:p="http://schemas.openxmlformats.org/presentationml/2006/main">
+  <p:cSld>
+    <p:spTree>
+      <p:nvGrpSpPr>
+        <p:cNvPr id="1" name=""/>
+        <p:cNvGrpSpPr/>
+        <p:nvPr/>
+      </p:nvGrpSpPr>
+      <p:grpSpPr>
+        <a:xfrm>
+          <a:off x="0" y="0"/>
+          <a:ext cx="0" cy="0"/>
+          <a:chOff x="0" y="0"/>
+          <a:chExt cx="0" cy="0"/>
+        </a:xfrm>
+      </p:grpSpPr>
+      <p:sp>
+        <p:nvSpPr>
+          <p:cNvPr id="2" name="제목 1"/>
+          <p:cNvSpPr>
+            <a:spLocks noGrp="1"/>
+          </p:cNvSpPr>
+          <p:nvPr>
+            <p:ph type="title"/>
+          </p:nvPr>
+        </p:nvSpPr>
+        <p:spPr/>
+        <p:txBody>
+          <a:bodyPr/>
+          <a:lstStyle/>
+          <a:p>
+            <a:r>
+              <a:rPr lang="en-US" altLang="ko-KR" dirty="0" smtClean="0"/>
+              <a:t>Static View</a:t>
+            </a:r>
+            <a:endParaRPr lang="ko-KR" altLang="en-US"/>
+          </a:p>
+        </p:txBody>
+      </p:sp>
+      <p:sp>
+        <p:nvSpPr>
+          <p:cNvPr id="29" name="직사각형 28"/>
+          <p:cNvSpPr/>
+          <p:nvPr/>
+        </p:nvSpPr>
+        <p:spPr>
+          <a:xfrm>
+            <a:off x="969671" y="2311565"/>
+            <a:ext cx="1944000" cy="1296000"/>
+          </a:xfrm>
+          <a:prstGeom prst="rect">
+            <a:avLst/>
+          </a:prstGeom>
+          <a:solidFill>
+            <a:schemeClr val="bg1"/>
+          </a:solidFill>
+          <a:ln>
+            <a:solidFill>
+              <a:schemeClr val="tx1"/>
+            </a:solidFill>
+          </a:ln>
+        </p:spPr>
+        <p:style>
+          <a:lnRef idx="2">
+            <a:schemeClr val="accent3">
+              <a:shade val="50000"/>
+            </a:schemeClr>
+          </a:lnRef>
+          <a:fillRef idx="1">
+            <a:schemeClr val="accent3"/>
+          </a:fillRef>
+          <a:effectRef idx="0">
+            <a:schemeClr val="accent3"/>
+          </a:effectRef>
+          <a:fontRef idx="minor">
+            <a:schemeClr val="lt1"/>
+          </a:fontRef>
+        </p:style>
+        <p:txBody>
+          <a:bodyPr rtlCol="0" anchor="ctr"/>
+          <a:lstStyle/>
+          <a:p>
+            <a:pPr algn="ctr"/>
+            <a:r>
+              <a:rPr lang="en-US" altLang="ko-KR" sz="1600" dirty="0" smtClean="0">
+                <a:solidFill>
+                  <a:schemeClr val="tx1"/>
+                </a:solidFill>
+              </a:rPr>
+              <a:t>Facility Controller Application</a:t>
+            </a:r>
+            <a:endParaRPr lang="ko-KR" altLang="en-US" sz="1600">
+              <a:solidFill>
+                <a:schemeClr val="tx1"/>
+              </a:solidFill>
+            </a:endParaRPr>
+          </a:p>
+        </p:txBody>
+      </p:sp>
+      <p:sp>
+        <p:nvSpPr>
+          <p:cNvPr id="4" name="사다리꼴 3"/>
+          <p:cNvSpPr/>
+          <p:nvPr/>
+        </p:nvSpPr>
+        <p:spPr>
+          <a:xfrm>
+            <a:off x="969671" y="2167565"/>
+            <a:ext cx="720000" cy="144000"/>
+          </a:xfrm>
+          <a:prstGeom prst="trapezoid">
+            <a:avLst>
+              <a:gd name="adj" fmla="val 47951"/>
+            </a:avLst>
+          </a:prstGeom>
+          <a:solidFill>
+            <a:schemeClr val="bg1"/>
+          </a:solidFill>
+          <a:ln>
+            <a:solidFill>
+              <a:schemeClr val="tx1"/>
+            </a:solidFill>
+          </a:ln>
+        </p:spPr>
+        <p:style>
+          <a:lnRef idx="2">
+            <a:schemeClr val="accent1">
+              <a:shade val="50000"/>
+            </a:schemeClr>
+          </a:lnRef>
+          <a:fillRef idx="1">
+            <a:schemeClr val="accent1"/>
+          </a:fillRef>
+          <a:effectRef idx="0">
+            <a:schemeClr val="accent1"/>
+          </a:effectRef>
+          <a:fontRef idx="minor">
+            <a:schemeClr val="lt1"/>
+          </a:fontRef>
+        </p:style>
+        <p:txBody>
+          <a:bodyPr rtlCol="0" anchor="ctr"/>
+          <a:lstStyle/>
+          <a:p>
+            <a:pPr algn="ctr"/>
+            <a:endParaRPr lang="ko-KR" altLang="en-US"/>
+          </a:p>
+        </p:txBody>
+      </p:sp>
+      <p:sp>
+        <p:nvSpPr>
+          <p:cNvPr id="31" name="직사각형 30"/>
+          <p:cNvSpPr/>
+          <p:nvPr/>
+        </p:nvSpPr>
+        <p:spPr>
+          <a:xfrm>
+            <a:off x="969671" y="4660440"/>
+            <a:ext cx="1944000" cy="1296000"/>
+          </a:xfrm>
+          <a:prstGeom prst="rect">
+            <a:avLst/>
+          </a:prstGeom>
+          <a:solidFill>
+            <a:schemeClr val="bg1"/>
+          </a:solidFill>
+          <a:ln>
+            <a:solidFill>
+              <a:schemeClr val="tx1"/>
+            </a:solidFill>
+          </a:ln>
+        </p:spPr>
+        <p:style>
+          <a:lnRef idx="2">
+            <a:schemeClr val="accent3">
+              <a:shade val="50000"/>
+            </a:schemeClr>
+          </a:lnRef>
+          <a:fillRef idx="1">
+            <a:schemeClr val="accent3"/>
+          </a:fillRef>
+          <a:effectRef idx="0">
+            <a:schemeClr val="accent3"/>
+          </a:effectRef>
+          <a:fontRef idx="minor">
+            <a:schemeClr val="lt1"/>
+          </a:fontRef>
+        </p:style>
+        <p:txBody>
+          <a:bodyPr rtlCol="0" anchor="ctr"/>
+          <a:lstStyle/>
+          <a:p>
+            <a:pPr algn="ctr"/>
+            <a:r>
+              <a:rPr lang="en-US" altLang="ko-KR" sz="1600" dirty="0" err="1" smtClean="0">
+                <a:solidFill>
+                  <a:schemeClr val="tx1"/>
+                </a:solidFill>
+              </a:rPr>
+              <a:t>SurePark</a:t>
+            </a:r>
+            <a:r>
+              <a:rPr lang="en-US" altLang="ko-KR" sz="1600" dirty="0" smtClean="0">
+                <a:solidFill>
+                  <a:schemeClr val="tx1"/>
+                </a:solidFill>
+              </a:rPr>
+              <a:t> Manager Application</a:t>
+            </a:r>
+            <a:endParaRPr lang="ko-KR" altLang="en-US" sz="1600">
+              <a:solidFill>
+                <a:schemeClr val="tx1"/>
+              </a:solidFill>
+            </a:endParaRPr>
+          </a:p>
+        </p:txBody>
+      </p:sp>
+      <p:sp>
+        <p:nvSpPr>
+          <p:cNvPr id="32" name="사다리꼴 31"/>
+          <p:cNvSpPr/>
+          <p:nvPr/>
+        </p:nvSpPr>
+        <p:spPr>
+          <a:xfrm>
+            <a:off x="969671" y="4516440"/>
+            <a:ext cx="720000" cy="144000"/>
+          </a:xfrm>
+          <a:prstGeom prst="trapezoid">
+            <a:avLst>
+              <a:gd name="adj" fmla="val 47951"/>
+            </a:avLst>
+          </a:prstGeom>
+          <a:solidFill>
+            <a:schemeClr val="bg1"/>
+          </a:solidFill>
+          <a:ln>
+            <a:solidFill>
+              <a:schemeClr val="tx1"/>
+            </a:solidFill>
+          </a:ln>
+        </p:spPr>
+        <p:style>
+          <a:lnRef idx="2">
+            <a:schemeClr val="accent1">
+              <a:shade val="50000"/>
+            </a:schemeClr>
+          </a:lnRef>
+          <a:fillRef idx="1">
+            <a:schemeClr val="accent1"/>
+          </a:fillRef>
+          <a:effectRef idx="0">
+            <a:schemeClr val="accent1"/>
+          </a:effectRef>
+          <a:fontRef idx="minor">
+            <a:schemeClr val="lt1"/>
+          </a:fontRef>
+        </p:style>
+        <p:txBody>
+          <a:bodyPr rtlCol="0" anchor="ctr"/>
+          <a:lstStyle/>
+          <a:p>
+            <a:pPr algn="ctr"/>
+            <a:endParaRPr lang="ko-KR" altLang="en-US"/>
+          </a:p>
+        </p:txBody>
+      </p:sp>
+      <p:sp>
+        <p:nvSpPr>
+          <p:cNvPr id="42" name="직사각형 41"/>
+          <p:cNvSpPr/>
+          <p:nvPr/>
+        </p:nvSpPr>
+        <p:spPr>
+          <a:xfrm>
+            <a:off x="4051117" y="4660440"/>
+            <a:ext cx="1944000" cy="1296000"/>
+          </a:xfrm>
+          <a:prstGeom prst="rect">
+            <a:avLst/>
+          </a:prstGeom>
+          <a:solidFill>
+            <a:schemeClr val="bg1"/>
+          </a:solidFill>
+          <a:ln>
+            <a:solidFill>
+              <a:schemeClr val="tx1"/>
+            </a:solidFill>
+          </a:ln>
+        </p:spPr>
+        <p:style>
+          <a:lnRef idx="2">
+            <a:schemeClr val="accent3">
+              <a:shade val="50000"/>
+            </a:schemeClr>
+          </a:lnRef>
+          <a:fillRef idx="1">
+            <a:schemeClr val="accent3"/>
+          </a:fillRef>
+          <a:effectRef idx="0">
+            <a:schemeClr val="accent3"/>
+          </a:effectRef>
+          <a:fontRef idx="minor">
+            <a:schemeClr val="lt1"/>
+          </a:fontRef>
+        </p:style>
+        <p:txBody>
+          <a:bodyPr rtlCol="0" anchor="ctr"/>
+          <a:lstStyle/>
+          <a:p>
+            <a:pPr algn="ctr"/>
+            <a:r>
+              <a:rPr lang="en-US" altLang="ko-KR" sz="1600" dirty="0" smtClean="0">
+                <a:solidFill>
+                  <a:schemeClr val="tx1"/>
+                </a:solidFill>
+              </a:rPr>
+              <a:t>Web Service Application</a:t>
+            </a:r>
+            <a:endParaRPr lang="ko-KR" altLang="en-US" sz="1600">
+              <a:solidFill>
+                <a:schemeClr val="tx1"/>
+              </a:solidFill>
+            </a:endParaRPr>
+          </a:p>
+        </p:txBody>
+      </p:sp>
+      <p:sp>
+        <p:nvSpPr>
+          <p:cNvPr id="44" name="사다리꼴 43"/>
+          <p:cNvSpPr/>
+          <p:nvPr/>
+        </p:nvSpPr>
+        <p:spPr>
+          <a:xfrm>
+            <a:off x="4051117" y="4516440"/>
+            <a:ext cx="720000" cy="144000"/>
+          </a:xfrm>
+          <a:prstGeom prst="trapezoid">
+            <a:avLst>
+              <a:gd name="adj" fmla="val 47951"/>
+            </a:avLst>
+          </a:prstGeom>
+          <a:solidFill>
+            <a:schemeClr val="bg1"/>
+          </a:solidFill>
+          <a:ln>
+            <a:solidFill>
+              <a:schemeClr val="tx1"/>
+            </a:solidFill>
+          </a:ln>
+        </p:spPr>
+        <p:style>
+          <a:lnRef idx="2">
+            <a:schemeClr val="accent1">
+              <a:shade val="50000"/>
+            </a:schemeClr>
+          </a:lnRef>
+          <a:fillRef idx="1">
+            <a:schemeClr val="accent1"/>
+          </a:fillRef>
+          <a:effectRef idx="0">
+            <a:schemeClr val="accent1"/>
+          </a:effectRef>
+          <a:fontRef idx="minor">
+            <a:schemeClr val="lt1"/>
+          </a:fontRef>
+        </p:style>
+        <p:txBody>
+          <a:bodyPr rtlCol="0" anchor="ctr"/>
+          <a:lstStyle/>
+          <a:p>
+            <a:pPr algn="ctr"/>
+            <a:endParaRPr lang="ko-KR" altLang="en-US"/>
+          </a:p>
+        </p:txBody>
+      </p:sp>
+      <p:sp>
+        <p:nvSpPr>
+          <p:cNvPr id="14" name="모서리가 접힌 도형 13"/>
+          <p:cNvSpPr/>
+          <p:nvPr/>
+        </p:nvSpPr>
+        <p:spPr>
+          <a:xfrm>
+            <a:off x="3317809" y="2311565"/>
+            <a:ext cx="1152000" cy="1296000"/>
+          </a:xfrm>
+          <a:prstGeom prst="foldedCorner">
+            <a:avLst/>
+          </a:prstGeom>
+          <a:solidFill>
+            <a:schemeClr val="accent1">
+              <a:lumMod val="20000"/>
+              <a:lumOff val="80000"/>
+            </a:schemeClr>
+          </a:solidFill>
+          <a:ln>
+            <a:solidFill>
+              <a:schemeClr val="tx1"/>
+            </a:solidFill>
+          </a:ln>
+        </p:spPr>
+        <p:style>
+          <a:lnRef idx="2">
+            <a:schemeClr val="accent1">
+              <a:shade val="50000"/>
+            </a:schemeClr>
+          </a:lnRef>
+          <a:fillRef idx="1">
+            <a:schemeClr val="accent1"/>
+          </a:fillRef>
+          <a:effectRef idx="0">
+            <a:schemeClr val="accent1"/>
+          </a:effectRef>
+          <a:fontRef idx="minor">
+            <a:schemeClr val="lt1"/>
+          </a:fontRef>
+        </p:style>
+        <p:txBody>
+          <a:bodyPr rtlCol="0" anchor="ctr">
+            <a:scene3d>
+              <a:camera prst="orthographicFront">
+                <a:rot lat="0" lon="0" rev="0"/>
+              </a:camera>
+              <a:lightRig rig="threePt" dir="t"/>
+            </a:scene3d>
+          </a:bodyPr>
+          <a:lstStyle/>
+          <a:p>
+            <a:pPr algn="ctr"/>
+            <a:r>
+              <a:rPr lang="en-US" altLang="ko-KR" sz="1400" dirty="0" smtClean="0">
+                <a:solidFill>
+                  <a:schemeClr val="tx1"/>
+                </a:solidFill>
+              </a:rPr>
+              <a:t>Needs to shares common protocol</a:t>
+            </a:r>
+            <a:endParaRPr lang="ko-KR" altLang="en-US" sz="1400">
+              <a:solidFill>
+                <a:schemeClr val="tx1"/>
+              </a:solidFill>
+            </a:endParaRPr>
+          </a:p>
+        </p:txBody>
+      </p:sp>
+      <p:sp>
+        <p:nvSpPr>
+          <p:cNvPr id="45" name="모서리가 접힌 도형 44"/>
+          <p:cNvSpPr/>
+          <p:nvPr/>
+        </p:nvSpPr>
+        <p:spPr>
+          <a:xfrm>
+            <a:off x="4843117" y="2311565"/>
+            <a:ext cx="1152000" cy="1296000"/>
+          </a:xfrm>
+          <a:prstGeom prst="foldedCorner">
+            <a:avLst/>
+          </a:prstGeom>
+          <a:solidFill>
+            <a:schemeClr val="accent1">
+              <a:lumMod val="20000"/>
+              <a:lumOff val="80000"/>
+            </a:schemeClr>
+          </a:solidFill>
+          <a:ln>
+            <a:solidFill>
+              <a:schemeClr val="tx1"/>
+            </a:solidFill>
+          </a:ln>
+        </p:spPr>
+        <p:style>
+          <a:lnRef idx="2">
+            <a:schemeClr val="accent1">
+              <a:shade val="50000"/>
+            </a:schemeClr>
+          </a:lnRef>
+          <a:fillRef idx="1">
+            <a:schemeClr val="accent1"/>
+          </a:fillRef>
+          <a:effectRef idx="0">
+            <a:schemeClr val="accent1"/>
+          </a:effectRef>
+          <a:fontRef idx="minor">
+            <a:schemeClr val="lt1"/>
+          </a:fontRef>
+        </p:style>
+        <p:txBody>
+          <a:bodyPr rtlCol="0" anchor="ctr">
+            <a:scene3d>
+              <a:camera prst="orthographicFront">
+                <a:rot lat="0" lon="0" rev="0"/>
+              </a:camera>
+              <a:lightRig rig="threePt" dir="t"/>
+            </a:scene3d>
+          </a:bodyPr>
+          <a:lstStyle/>
+          <a:p>
+            <a:pPr algn="ctr"/>
+            <a:r>
+              <a:rPr lang="en-US" altLang="ko-KR" sz="1400" dirty="0" smtClean="0">
+                <a:solidFill>
+                  <a:schemeClr val="tx1"/>
+                </a:solidFill>
+              </a:rPr>
+              <a:t>Needs to shares common DB schema</a:t>
+            </a:r>
+            <a:endParaRPr lang="ko-KR" altLang="en-US" sz="1400">
+              <a:solidFill>
+                <a:schemeClr val="tx1"/>
+              </a:solidFill>
+            </a:endParaRPr>
+          </a:p>
+        </p:txBody>
+      </p:sp>
+      <p:cxnSp>
+        <p:nvCxnSpPr>
+          <p:cNvPr id="47" name="직선 연결선 46"/>
+          <p:cNvCxnSpPr>
+            <a:endCxn id="14" idx="1"/>
+          </p:cNvCxnSpPr>
+          <p:nvPr/>
+        </p:nvCxnSpPr>
+        <p:spPr>
+          <a:xfrm>
+            <a:off x="2715250" y="2519826"/>
+            <a:ext cx="602559" cy="439739"/>
+          </a:xfrm>
+          <a:prstGeom prst="line">
+            <a:avLst/>
+          </a:prstGeom>
+          <a:ln w="12700">
+            <a:solidFill>
+              <a:schemeClr val="tx1"/>
+            </a:solidFill>
+            <a:prstDash val="sysDot"/>
+            <a:headEnd type="oval"/>
+          </a:ln>
+        </p:spPr>
+        <p:style>
+          <a:lnRef idx="1">
+            <a:schemeClr val="accent1"/>
+          </a:lnRef>
+          <a:fillRef idx="0">
+            <a:schemeClr val="accent1"/>
+          </a:fillRef>
+          <a:effectRef idx="0">
+            <a:schemeClr val="accent1"/>
+          </a:effectRef>
+          <a:fontRef idx="minor">
+            <a:schemeClr val="tx1"/>
+          </a:fontRef>
+        </p:style>
+      </p:cxnSp>
+      <p:cxnSp>
+        <p:nvCxnSpPr>
+          <p:cNvPr id="48" name="직선 연결선 47"/>
+          <p:cNvCxnSpPr>
+            <a:endCxn id="14" idx="1"/>
+          </p:cNvCxnSpPr>
+          <p:nvPr/>
+        </p:nvCxnSpPr>
+        <p:spPr>
+          <a:xfrm flipV="1">
+            <a:off x="2638979" y="2959565"/>
+            <a:ext cx="678830" cy="1905725"/>
+          </a:xfrm>
+          <a:prstGeom prst="line">
+            <a:avLst/>
+          </a:prstGeom>
+          <a:ln w="12700">
+            <a:solidFill>
+              <a:schemeClr val="tx1"/>
+            </a:solidFill>
+            <a:prstDash val="sysDot"/>
+            <a:headEnd type="oval"/>
+          </a:ln>
+        </p:spPr>
+        <p:style>
+          <a:lnRef idx="1">
+            <a:schemeClr val="accent1"/>
+          </a:lnRef>
+          <a:fillRef idx="0">
+            <a:schemeClr val="accent1"/>
+          </a:fillRef>
+          <a:effectRef idx="0">
+            <a:schemeClr val="accent1"/>
+          </a:effectRef>
+          <a:fontRef idx="minor">
+            <a:schemeClr val="tx1"/>
+          </a:fontRef>
+        </p:style>
+      </p:cxnSp>
+      <p:cxnSp>
+        <p:nvCxnSpPr>
+          <p:cNvPr id="64" name="직선 연결선 63"/>
+          <p:cNvCxnSpPr>
+            <a:endCxn id="45" idx="2"/>
+          </p:cNvCxnSpPr>
+          <p:nvPr/>
+        </p:nvCxnSpPr>
+        <p:spPr>
+          <a:xfrm flipV="1">
+            <a:off x="2735170" y="3607565"/>
+            <a:ext cx="2683947" cy="1293881"/>
+          </a:xfrm>
+          <a:prstGeom prst="line">
+            <a:avLst/>
+          </a:prstGeom>
+          <a:ln w="12700">
+            <a:solidFill>
+              <a:schemeClr val="tx1"/>
+            </a:solidFill>
+            <a:prstDash val="sysDot"/>
+            <a:headEnd type="oval"/>
+          </a:ln>
+        </p:spPr>
+        <p:style>
+          <a:lnRef idx="1">
+            <a:schemeClr val="accent1"/>
+          </a:lnRef>
+          <a:fillRef idx="0">
+            <a:schemeClr val="accent1"/>
+          </a:fillRef>
+          <a:effectRef idx="0">
+            <a:schemeClr val="accent1"/>
+          </a:effectRef>
+          <a:fontRef idx="minor">
+            <a:schemeClr val="tx1"/>
+          </a:fontRef>
+        </p:style>
+      </p:cxnSp>
+      <p:cxnSp>
+        <p:nvCxnSpPr>
+          <p:cNvPr id="67" name="직선 연결선 66"/>
+          <p:cNvCxnSpPr>
+            <a:endCxn id="45" idx="2"/>
+          </p:cNvCxnSpPr>
+          <p:nvPr/>
+        </p:nvCxnSpPr>
+        <p:spPr>
+          <a:xfrm flipH="1" flipV="1">
+            <a:off x="5419117" y="3607565"/>
+            <a:ext cx="373308" cy="1268876"/>
+          </a:xfrm>
+          <a:prstGeom prst="line">
+            <a:avLst/>
+          </a:prstGeom>
+          <a:ln w="12700">
+            <a:solidFill>
+              <a:schemeClr val="tx1"/>
+            </a:solidFill>
+            <a:prstDash val="sysDot"/>
+            <a:headEnd type="oval"/>
+          </a:ln>
+        </p:spPr>
+        <p:style>
+          <a:lnRef idx="1">
+            <a:schemeClr val="accent1"/>
+          </a:lnRef>
+          <a:fillRef idx="0">
+            <a:schemeClr val="accent1"/>
+          </a:fillRef>
+          <a:effectRef idx="0">
+            <a:schemeClr val="accent1"/>
+          </a:effectRef>
+          <a:fontRef idx="minor">
+            <a:schemeClr val="tx1"/>
+          </a:fontRef>
+        </p:style>
+      </p:cxnSp>
+      <p:sp>
+        <p:nvSpPr>
+          <p:cNvPr id="15" name="직사각형 14"/>
+          <p:cNvSpPr/>
+          <p:nvPr/>
+        </p:nvSpPr>
+        <p:spPr>
+          <a:xfrm>
+            <a:off x="6341525" y="4385604"/>
+            <a:ext cx="1637800" cy="1570836"/>
+          </a:xfrm>
+          <a:prstGeom prst="rect">
+            <a:avLst/>
+          </a:prstGeom>
+          <a:noFill/>
+          <a:ln>
+            <a:solidFill>
+              <a:schemeClr val="tx1"/>
+            </a:solidFill>
+          </a:ln>
+        </p:spPr>
+        <p:style>
+          <a:lnRef idx="2">
+            <a:schemeClr val="accent1">
+              <a:shade val="50000"/>
+            </a:schemeClr>
+          </a:lnRef>
+          <a:fillRef idx="1">
+            <a:schemeClr val="accent1"/>
+          </a:fillRef>
+          <a:effectRef idx="0">
+            <a:schemeClr val="accent1"/>
+          </a:effectRef>
+          <a:fontRef idx="minor">
+            <a:schemeClr val="lt1"/>
+          </a:fontRef>
+        </p:style>
+        <p:txBody>
+          <a:bodyPr rtlCol="0" anchor="ctr"/>
+          <a:lstStyle/>
+          <a:p>
+            <a:pPr algn="ctr"/>
+            <a:endParaRPr lang="ko-KR" altLang="en-US"/>
+          </a:p>
+        </p:txBody>
+      </p:sp>
+      <p:sp>
+        <p:nvSpPr>
+          <p:cNvPr id="16" name="직사각형 15"/>
+          <p:cNvSpPr/>
+          <p:nvPr/>
+        </p:nvSpPr>
+        <p:spPr>
+          <a:xfrm>
+            <a:off x="6341525" y="4429259"/>
+            <a:ext cx="1637800" cy="360000"/>
+          </a:xfrm>
+          <a:prstGeom prst="rect">
+            <a:avLst/>
+          </a:prstGeom>
+          <a:noFill/>
+          <a:ln>
+            <a:noFill/>
+          </a:ln>
+        </p:spPr>
+        <p:style>
+          <a:lnRef idx="2">
+            <a:schemeClr val="accent1">
+              <a:shade val="50000"/>
+            </a:schemeClr>
+          </a:lnRef>
+          <a:fillRef idx="1">
+            <a:schemeClr val="accent1"/>
+          </a:fillRef>
+          <a:effectRef idx="0">
+            <a:schemeClr val="accent1"/>
+          </a:effectRef>
+          <a:fontRef idx="minor">
+            <a:schemeClr val="lt1"/>
+          </a:fontRef>
+        </p:style>
+        <p:txBody>
+          <a:bodyPr lIns="144000" rtlCol="0" anchor="ctr"/>
+          <a:lstStyle/>
+          <a:p>
+            <a:r>
+              <a:rPr lang="en-US" altLang="ko-KR" sz="1400" b="1" i="1" u="sng" dirty="0" smtClean="0">
+                <a:solidFill>
+                  <a:schemeClr val="tx1"/>
+                </a:solidFill>
+              </a:rPr>
+              <a:t>Legend</a:t>
+            </a:r>
+            <a:endParaRPr lang="ko-KR" altLang="en-US" sz="1400" b="1" i="1" u="sng">
+              <a:solidFill>
+                <a:schemeClr val="tx1"/>
+              </a:solidFill>
+            </a:endParaRPr>
+          </a:p>
+        </p:txBody>
+      </p:sp>
+      <p:graphicFrame>
+        <p:nvGraphicFramePr>
+          <p:cNvPr id="18" name="표 17"/>
+          <p:cNvGraphicFramePr>
+            <a:graphicFrameLocks noGrp="1"/>
+          </p:cNvGraphicFramePr>
+          <p:nvPr>
+            <p:extLst>
+              <p:ext uri="{D42A27DB-BD31-4B8C-83A1-F6EECF244321}">
+                <p14:modId xmlns:p14="http://schemas.microsoft.com/office/powerpoint/2010/main" val="2918359647"/>
+              </p:ext>
+            </p:extLst>
+          </p:nvPr>
+        </p:nvGraphicFramePr>
+        <p:xfrm>
+          <a:off x="7074073" y="4791659"/>
+          <a:ext cx="900402" cy="1069480"/>
+        </p:xfrm>
+        <a:graphic>
+          <a:graphicData uri="http://schemas.openxmlformats.org/drawingml/2006/table">
+            <a:tbl>
+              <a:tblPr firstRow="1" bandRow="1">
+                <a:tableStyleId>{2D5ABB26-0587-4C30-8999-92F81FD0307C}</a:tableStyleId>
+              </a:tblPr>
+              <a:tblGrid>
+                <a:gridCol w="900402"/>
+              </a:tblGrid>
+              <a:tr h="534740">
+                <a:tc>
+                  <a:txBody>
+                    <a:bodyPr/>
+                    <a:lstStyle/>
+                    <a:p>
+                      <a:pPr algn="l" latinLnBrk="1"/>
+                      <a:r>
+                        <a:rPr lang="en-US" altLang="ko-KR" sz="1400" dirty="0" smtClean="0">
+                          <a:latin typeface="+mn-lt"/>
+                        </a:rPr>
+                        <a:t>Package</a:t>
+                      </a:r>
+                      <a:endParaRPr lang="ko-KR" altLang="en-US" sz="1400" dirty="0">
+                        <a:latin typeface="+mn-lt"/>
+                      </a:endParaRPr>
+                    </a:p>
+                  </a:txBody>
+                  <a:tcPr anchor="ctr"/>
+                </a:tc>
+              </a:tr>
+              <a:tr h="534740">
+                <a:tc>
+                  <a:txBody>
+                    <a:bodyPr/>
+                    <a:lstStyle/>
+                    <a:p>
+                      <a:pPr algn="l" latinLnBrk="1"/>
+                      <a:r>
+                        <a:rPr lang="en-US" altLang="ko-KR" sz="1400" dirty="0" smtClean="0">
+                          <a:latin typeface="+mn-lt"/>
+                        </a:rPr>
+                        <a:t>Note</a:t>
+                      </a:r>
+                      <a:endParaRPr lang="ko-KR" altLang="en-US" sz="1400">
+                        <a:latin typeface="+mn-lt"/>
+                      </a:endParaRPr>
+                    </a:p>
+                  </a:txBody>
+                  <a:tcPr anchor="ctr"/>
+                </a:tc>
+              </a:tr>
+            </a:tbl>
+          </a:graphicData>
+        </a:graphic>
+      </p:graphicFrame>
+      <p:grpSp>
+        <p:nvGrpSpPr>
+          <p:cNvPr id="3" name="그룹 2"/>
+          <p:cNvGrpSpPr/>
+          <p:nvPr/>
+        </p:nvGrpSpPr>
+        <p:grpSpPr>
+          <a:xfrm>
+            <a:off x="6502434" y="4865290"/>
+            <a:ext cx="442635" cy="361564"/>
+            <a:chOff x="5057814" y="590160"/>
+            <a:chExt cx="1944000" cy="1440000"/>
+          </a:xfrm>
+        </p:grpSpPr>
+        <p:sp>
+          <p:nvSpPr>
+            <p:cNvPr id="26" name="직사각형 25"/>
+            <p:cNvSpPr/>
+            <p:nvPr/>
+          </p:nvSpPr>
+          <p:spPr>
+            <a:xfrm>
+              <a:off x="5057814" y="734160"/>
+              <a:ext cx="1944000" cy="1296000"/>
+            </a:xfrm>
+            <a:prstGeom prst="rect">
+              <a:avLst/>
+            </a:prstGeom>
+            <a:solidFill>
+              <a:schemeClr val="bg1"/>
+            </a:solidFill>
+            <a:ln>
+              <a:solidFill>
+                <a:schemeClr val="tx1"/>
+              </a:solidFill>
+            </a:ln>
+          </p:spPr>
+          <p:style>
+            <a:lnRef idx="2">
+              <a:schemeClr val="accent3">
+                <a:shade val="50000"/>
+              </a:schemeClr>
+            </a:lnRef>
+            <a:fillRef idx="1">
+              <a:schemeClr val="accent3"/>
+            </a:fillRef>
+            <a:effectRef idx="0">
+              <a:schemeClr val="accent3"/>
+            </a:effectRef>
+            <a:fontRef idx="minor">
+              <a:schemeClr val="lt1"/>
+            </a:fontRef>
+          </p:style>
+          <p:txBody>
+            <a:bodyPr rtlCol="0" anchor="ctr"/>
+            <a:lstStyle/>
+            <a:p>
+              <a:pPr algn="ctr"/>
+              <a:endParaRPr lang="ko-KR" altLang="en-US" sz="1600" dirty="0">
+                <a:solidFill>
+                  <a:schemeClr val="tx1"/>
+                </a:solidFill>
+              </a:endParaRPr>
+            </a:p>
+          </p:txBody>
+        </p:sp>
+        <p:sp>
+          <p:nvSpPr>
+            <p:cNvPr id="27" name="사다리꼴 26"/>
+            <p:cNvSpPr/>
+            <p:nvPr/>
+          </p:nvSpPr>
+          <p:spPr>
+            <a:xfrm>
+              <a:off x="5057814" y="590160"/>
+              <a:ext cx="720000" cy="144000"/>
+            </a:xfrm>
+            <a:prstGeom prst="trapezoid">
+              <a:avLst>
+                <a:gd name="adj" fmla="val 47951"/>
+              </a:avLst>
+            </a:prstGeom>
+            <a:solidFill>
+              <a:schemeClr val="bg1"/>
+            </a:solidFill>
+            <a:ln>
+              <a:solidFill>
+                <a:schemeClr val="tx1"/>
+              </a:solidFill>
+            </a:ln>
+          </p:spPr>
+          <p:style>
+            <a:lnRef idx="2">
+              <a:schemeClr val="accent1">
+                <a:shade val="50000"/>
+              </a:schemeClr>
+            </a:lnRef>
+            <a:fillRef idx="1">
+              <a:schemeClr val="accent1"/>
+            </a:fillRef>
+            <a:effectRef idx="0">
+              <a:schemeClr val="accent1"/>
+            </a:effectRef>
+            <a:fontRef idx="minor">
+              <a:schemeClr val="lt1"/>
+            </a:fontRef>
+          </p:style>
+          <p:txBody>
+            <a:bodyPr rtlCol="0" anchor="ctr"/>
+            <a:lstStyle/>
+            <a:p>
+              <a:pPr algn="ctr"/>
+              <a:endParaRPr lang="ko-KR" altLang="en-US"/>
+            </a:p>
+          </p:txBody>
+        </p:sp>
+      </p:grpSp>
+      <p:sp>
+        <p:nvSpPr>
+          <p:cNvPr id="30" name="모서리가 접힌 도형 29"/>
+          <p:cNvSpPr/>
+          <p:nvPr/>
+        </p:nvSpPr>
+        <p:spPr>
+          <a:xfrm>
+            <a:off x="6502434" y="5446509"/>
+            <a:ext cx="451846" cy="325408"/>
+          </a:xfrm>
+          <a:prstGeom prst="foldedCorner">
+            <a:avLst/>
+          </a:prstGeom>
+          <a:solidFill>
+            <a:schemeClr val="accent1">
+              <a:lumMod val="20000"/>
+              <a:lumOff val="80000"/>
+            </a:schemeClr>
+          </a:solidFill>
+          <a:ln>
+            <a:solidFill>
+              <a:schemeClr val="tx1"/>
+            </a:solidFill>
+          </a:ln>
+        </p:spPr>
+        <p:style>
+          <a:lnRef idx="2">
+            <a:schemeClr val="accent1">
+              <a:shade val="50000"/>
+            </a:schemeClr>
+          </a:lnRef>
+          <a:fillRef idx="1">
+            <a:schemeClr val="accent1"/>
+          </a:fillRef>
+          <a:effectRef idx="0">
+            <a:schemeClr val="accent1"/>
+          </a:effectRef>
+          <a:fontRef idx="minor">
+            <a:schemeClr val="lt1"/>
+          </a:fontRef>
+        </p:style>
+        <p:txBody>
+          <a:bodyPr rtlCol="0" anchor="ctr">
+            <a:scene3d>
+              <a:camera prst="orthographicFront">
+                <a:rot lat="0" lon="0" rev="0"/>
+              </a:camera>
+              <a:lightRig rig="threePt" dir="t"/>
+            </a:scene3d>
+          </a:bodyPr>
+          <a:lstStyle/>
+          <a:p>
+            <a:pPr algn="ctr"/>
+            <a:endParaRPr lang="ko-KR" altLang="en-US" sz="1400" dirty="0">
+              <a:solidFill>
+                <a:schemeClr val="tx1"/>
+              </a:solidFill>
+            </a:endParaRPr>
+          </a:p>
+        </p:txBody>
+      </p:sp>
+    </p:spTree>
+    <p:extLst>
+      <p:ext uri="{BB962C8B-B14F-4D97-AF65-F5344CB8AC3E}">
+        <p14:creationId xmlns:p14="http://schemas.microsoft.com/office/powerpoint/2010/main" val="3223993970"/>
+      </p:ext>
+    </p:extLst>
+  </p:cSld>
+  <p:clrMapOvr>
+    <a:masterClrMapping/>
+  </p:clrMapOvr>
+  <p:timing>
+    <p:tnLst>
+      <p:par>
+        <p:cTn id="1" dur="indefinite" restart="never" nodeType="tmRoot"/>
+      </p:par>
+    </p:tnLst>
+  </p:timing>
+</p:sld>
+</file>
+
+<file path=ppt/slides/slide5.xml><?xml version="1.0" encoding="utf-8"?>
 <p:sld xmlns:a="http://schemas.openxmlformats.org/drawingml/2006/main" xmlns:r="http://schemas.openxmlformats.org/officeDocument/2006/relationships" xmlns:p="http://schemas.openxmlformats.org/presentationml/2006/main">
   <p:cSld>
     <p:spTree>
@@ -6907,7 +8058,7 @@
 </p:sld>
 </file>
 
-<file path=ppt/slides/slide5.xml><?xml version="1.0" encoding="utf-8"?>
+<file path=ppt/slides/slide6.xml><?xml version="1.0" encoding="utf-8"?>
 <p:sld xmlns:a="http://schemas.openxmlformats.org/drawingml/2006/main" xmlns:r="http://schemas.openxmlformats.org/officeDocument/2006/relationships" xmlns:p="http://schemas.openxmlformats.org/presentationml/2006/main">
   <p:cSld>
     <p:spTree>
@@ -6940,7 +8091,7 @@
           <a:lstStyle/>
           <a:p>
             <a:r>
-              <a:rPr lang="en-US" altLang="ko-KR" dirty="0"/>
+              <a:rPr lang="en-US" altLang="ko-KR" dirty="0" smtClean="0"/>
               <a:t>Rationale</a:t>
             </a:r>
             <a:endParaRPr lang="ko-KR" altLang="en-US"/>
@@ -8156,1053 +9307,6 @@
 </p:sld>
 </file>
 
-<file path=ppt/slides/slide6.xml><?xml version="1.0" encoding="utf-8"?>
-<p:sld xmlns:a="http://schemas.openxmlformats.org/drawingml/2006/main" xmlns:r="http://schemas.openxmlformats.org/officeDocument/2006/relationships" xmlns:p="http://schemas.openxmlformats.org/presentationml/2006/main">
-  <p:cSld>
-    <p:spTree>
-      <p:nvGrpSpPr>
-        <p:cNvPr id="1" name=""/>
-        <p:cNvGrpSpPr/>
-        <p:nvPr/>
-      </p:nvGrpSpPr>
-      <p:grpSpPr>
-        <a:xfrm>
-          <a:off x="0" y="0"/>
-          <a:ext cx="0" cy="0"/>
-          <a:chOff x="0" y="0"/>
-          <a:chExt cx="0" cy="0"/>
-        </a:xfrm>
-      </p:grpSpPr>
-      <p:sp>
-        <p:nvSpPr>
-          <p:cNvPr id="2" name="제목 1"/>
-          <p:cNvSpPr>
-            <a:spLocks noGrp="1"/>
-          </p:cNvSpPr>
-          <p:nvPr>
-            <p:ph type="title"/>
-          </p:nvPr>
-        </p:nvSpPr>
-        <p:spPr/>
-        <p:txBody>
-          <a:bodyPr/>
-          <a:lstStyle/>
-          <a:p>
-            <a:r>
-              <a:rPr lang="en-US" altLang="ko-KR" dirty="0" smtClean="0"/>
-              <a:t>Static View</a:t>
-            </a:r>
-            <a:endParaRPr lang="ko-KR" altLang="en-US"/>
-          </a:p>
-        </p:txBody>
-      </p:sp>
-      <p:sp>
-        <p:nvSpPr>
-          <p:cNvPr id="29" name="직사각형 28"/>
-          <p:cNvSpPr/>
-          <p:nvPr/>
-        </p:nvSpPr>
-        <p:spPr>
-          <a:xfrm>
-            <a:off x="969671" y="2311565"/>
-            <a:ext cx="1944000" cy="1296000"/>
-          </a:xfrm>
-          <a:prstGeom prst="rect">
-            <a:avLst/>
-          </a:prstGeom>
-          <a:solidFill>
-            <a:schemeClr val="bg1"/>
-          </a:solidFill>
-          <a:ln>
-            <a:solidFill>
-              <a:schemeClr val="tx1"/>
-            </a:solidFill>
-          </a:ln>
-        </p:spPr>
-        <p:style>
-          <a:lnRef idx="2">
-            <a:schemeClr val="accent3">
-              <a:shade val="50000"/>
-            </a:schemeClr>
-          </a:lnRef>
-          <a:fillRef idx="1">
-            <a:schemeClr val="accent3"/>
-          </a:fillRef>
-          <a:effectRef idx="0">
-            <a:schemeClr val="accent3"/>
-          </a:effectRef>
-          <a:fontRef idx="minor">
-            <a:schemeClr val="lt1"/>
-          </a:fontRef>
-        </p:style>
-        <p:txBody>
-          <a:bodyPr rtlCol="0" anchor="ctr"/>
-          <a:lstStyle/>
-          <a:p>
-            <a:pPr algn="ctr"/>
-            <a:r>
-              <a:rPr lang="en-US" altLang="ko-KR" sz="1600" dirty="0" smtClean="0">
-                <a:solidFill>
-                  <a:schemeClr val="tx1"/>
-                </a:solidFill>
-              </a:rPr>
-              <a:t>Facility Controller Application</a:t>
-            </a:r>
-            <a:endParaRPr lang="ko-KR" altLang="en-US" sz="1600">
-              <a:solidFill>
-                <a:schemeClr val="tx1"/>
-              </a:solidFill>
-            </a:endParaRPr>
-          </a:p>
-        </p:txBody>
-      </p:sp>
-      <p:sp>
-        <p:nvSpPr>
-          <p:cNvPr id="4" name="사다리꼴 3"/>
-          <p:cNvSpPr/>
-          <p:nvPr/>
-        </p:nvSpPr>
-        <p:spPr>
-          <a:xfrm>
-            <a:off x="969671" y="2167565"/>
-            <a:ext cx="720000" cy="144000"/>
-          </a:xfrm>
-          <a:prstGeom prst="trapezoid">
-            <a:avLst>
-              <a:gd name="adj" fmla="val 47951"/>
-            </a:avLst>
-          </a:prstGeom>
-          <a:solidFill>
-            <a:schemeClr val="bg1"/>
-          </a:solidFill>
-          <a:ln>
-            <a:solidFill>
-              <a:schemeClr val="tx1"/>
-            </a:solidFill>
-          </a:ln>
-        </p:spPr>
-        <p:style>
-          <a:lnRef idx="2">
-            <a:schemeClr val="accent1">
-              <a:shade val="50000"/>
-            </a:schemeClr>
-          </a:lnRef>
-          <a:fillRef idx="1">
-            <a:schemeClr val="accent1"/>
-          </a:fillRef>
-          <a:effectRef idx="0">
-            <a:schemeClr val="accent1"/>
-          </a:effectRef>
-          <a:fontRef idx="minor">
-            <a:schemeClr val="lt1"/>
-          </a:fontRef>
-        </p:style>
-        <p:txBody>
-          <a:bodyPr rtlCol="0" anchor="ctr"/>
-          <a:lstStyle/>
-          <a:p>
-            <a:pPr algn="ctr"/>
-            <a:endParaRPr lang="ko-KR" altLang="en-US"/>
-          </a:p>
-        </p:txBody>
-      </p:sp>
-      <p:sp>
-        <p:nvSpPr>
-          <p:cNvPr id="31" name="직사각형 30"/>
-          <p:cNvSpPr/>
-          <p:nvPr/>
-        </p:nvSpPr>
-        <p:spPr>
-          <a:xfrm>
-            <a:off x="969671" y="4660440"/>
-            <a:ext cx="1944000" cy="1296000"/>
-          </a:xfrm>
-          <a:prstGeom prst="rect">
-            <a:avLst/>
-          </a:prstGeom>
-          <a:solidFill>
-            <a:schemeClr val="bg1"/>
-          </a:solidFill>
-          <a:ln>
-            <a:solidFill>
-              <a:schemeClr val="tx1"/>
-            </a:solidFill>
-          </a:ln>
-        </p:spPr>
-        <p:style>
-          <a:lnRef idx="2">
-            <a:schemeClr val="accent3">
-              <a:shade val="50000"/>
-            </a:schemeClr>
-          </a:lnRef>
-          <a:fillRef idx="1">
-            <a:schemeClr val="accent3"/>
-          </a:fillRef>
-          <a:effectRef idx="0">
-            <a:schemeClr val="accent3"/>
-          </a:effectRef>
-          <a:fontRef idx="minor">
-            <a:schemeClr val="lt1"/>
-          </a:fontRef>
-        </p:style>
-        <p:txBody>
-          <a:bodyPr rtlCol="0" anchor="ctr"/>
-          <a:lstStyle/>
-          <a:p>
-            <a:pPr algn="ctr"/>
-            <a:r>
-              <a:rPr lang="en-US" altLang="ko-KR" sz="1600" dirty="0" err="1" smtClean="0">
-                <a:solidFill>
-                  <a:schemeClr val="tx1"/>
-                </a:solidFill>
-              </a:rPr>
-              <a:t>SurePark</a:t>
-            </a:r>
-            <a:r>
-              <a:rPr lang="en-US" altLang="ko-KR" sz="1600" dirty="0" smtClean="0">
-                <a:solidFill>
-                  <a:schemeClr val="tx1"/>
-                </a:solidFill>
-              </a:rPr>
-              <a:t> Manager Application</a:t>
-            </a:r>
-            <a:endParaRPr lang="ko-KR" altLang="en-US" sz="1600">
-              <a:solidFill>
-                <a:schemeClr val="tx1"/>
-              </a:solidFill>
-            </a:endParaRPr>
-          </a:p>
-        </p:txBody>
-      </p:sp>
-      <p:sp>
-        <p:nvSpPr>
-          <p:cNvPr id="32" name="사다리꼴 31"/>
-          <p:cNvSpPr/>
-          <p:nvPr/>
-        </p:nvSpPr>
-        <p:spPr>
-          <a:xfrm>
-            <a:off x="969671" y="4516440"/>
-            <a:ext cx="720000" cy="144000"/>
-          </a:xfrm>
-          <a:prstGeom prst="trapezoid">
-            <a:avLst>
-              <a:gd name="adj" fmla="val 47951"/>
-            </a:avLst>
-          </a:prstGeom>
-          <a:solidFill>
-            <a:schemeClr val="bg1"/>
-          </a:solidFill>
-          <a:ln>
-            <a:solidFill>
-              <a:schemeClr val="tx1"/>
-            </a:solidFill>
-          </a:ln>
-        </p:spPr>
-        <p:style>
-          <a:lnRef idx="2">
-            <a:schemeClr val="accent1">
-              <a:shade val="50000"/>
-            </a:schemeClr>
-          </a:lnRef>
-          <a:fillRef idx="1">
-            <a:schemeClr val="accent1"/>
-          </a:fillRef>
-          <a:effectRef idx="0">
-            <a:schemeClr val="accent1"/>
-          </a:effectRef>
-          <a:fontRef idx="minor">
-            <a:schemeClr val="lt1"/>
-          </a:fontRef>
-        </p:style>
-        <p:txBody>
-          <a:bodyPr rtlCol="0" anchor="ctr"/>
-          <a:lstStyle/>
-          <a:p>
-            <a:pPr algn="ctr"/>
-            <a:endParaRPr lang="ko-KR" altLang="en-US"/>
-          </a:p>
-        </p:txBody>
-      </p:sp>
-      <p:sp>
-        <p:nvSpPr>
-          <p:cNvPr id="42" name="직사각형 41"/>
-          <p:cNvSpPr/>
-          <p:nvPr/>
-        </p:nvSpPr>
-        <p:spPr>
-          <a:xfrm>
-            <a:off x="4051117" y="4660440"/>
-            <a:ext cx="1944000" cy="1296000"/>
-          </a:xfrm>
-          <a:prstGeom prst="rect">
-            <a:avLst/>
-          </a:prstGeom>
-          <a:solidFill>
-            <a:schemeClr val="bg1"/>
-          </a:solidFill>
-          <a:ln>
-            <a:solidFill>
-              <a:schemeClr val="tx1"/>
-            </a:solidFill>
-          </a:ln>
-        </p:spPr>
-        <p:style>
-          <a:lnRef idx="2">
-            <a:schemeClr val="accent3">
-              <a:shade val="50000"/>
-            </a:schemeClr>
-          </a:lnRef>
-          <a:fillRef idx="1">
-            <a:schemeClr val="accent3"/>
-          </a:fillRef>
-          <a:effectRef idx="0">
-            <a:schemeClr val="accent3"/>
-          </a:effectRef>
-          <a:fontRef idx="minor">
-            <a:schemeClr val="lt1"/>
-          </a:fontRef>
-        </p:style>
-        <p:txBody>
-          <a:bodyPr rtlCol="0" anchor="ctr"/>
-          <a:lstStyle/>
-          <a:p>
-            <a:pPr algn="ctr"/>
-            <a:r>
-              <a:rPr lang="en-US" altLang="ko-KR" sz="1600" dirty="0" smtClean="0">
-                <a:solidFill>
-                  <a:schemeClr val="tx1"/>
-                </a:solidFill>
-              </a:rPr>
-              <a:t>Web Service Application</a:t>
-            </a:r>
-            <a:endParaRPr lang="ko-KR" altLang="en-US" sz="1600">
-              <a:solidFill>
-                <a:schemeClr val="tx1"/>
-              </a:solidFill>
-            </a:endParaRPr>
-          </a:p>
-        </p:txBody>
-      </p:sp>
-      <p:sp>
-        <p:nvSpPr>
-          <p:cNvPr id="44" name="사다리꼴 43"/>
-          <p:cNvSpPr/>
-          <p:nvPr/>
-        </p:nvSpPr>
-        <p:spPr>
-          <a:xfrm>
-            <a:off x="4051117" y="4516440"/>
-            <a:ext cx="720000" cy="144000"/>
-          </a:xfrm>
-          <a:prstGeom prst="trapezoid">
-            <a:avLst>
-              <a:gd name="adj" fmla="val 47951"/>
-            </a:avLst>
-          </a:prstGeom>
-          <a:solidFill>
-            <a:schemeClr val="bg1"/>
-          </a:solidFill>
-          <a:ln>
-            <a:solidFill>
-              <a:schemeClr val="tx1"/>
-            </a:solidFill>
-          </a:ln>
-        </p:spPr>
-        <p:style>
-          <a:lnRef idx="2">
-            <a:schemeClr val="accent1">
-              <a:shade val="50000"/>
-            </a:schemeClr>
-          </a:lnRef>
-          <a:fillRef idx="1">
-            <a:schemeClr val="accent1"/>
-          </a:fillRef>
-          <a:effectRef idx="0">
-            <a:schemeClr val="accent1"/>
-          </a:effectRef>
-          <a:fontRef idx="minor">
-            <a:schemeClr val="lt1"/>
-          </a:fontRef>
-        </p:style>
-        <p:txBody>
-          <a:bodyPr rtlCol="0" anchor="ctr"/>
-          <a:lstStyle/>
-          <a:p>
-            <a:pPr algn="ctr"/>
-            <a:endParaRPr lang="ko-KR" altLang="en-US"/>
-          </a:p>
-        </p:txBody>
-      </p:sp>
-      <p:sp>
-        <p:nvSpPr>
-          <p:cNvPr id="14" name="모서리가 접힌 도형 13"/>
-          <p:cNvSpPr/>
-          <p:nvPr/>
-        </p:nvSpPr>
-        <p:spPr>
-          <a:xfrm>
-            <a:off x="3317809" y="2311565"/>
-            <a:ext cx="1152000" cy="1296000"/>
-          </a:xfrm>
-          <a:prstGeom prst="foldedCorner">
-            <a:avLst/>
-          </a:prstGeom>
-          <a:solidFill>
-            <a:schemeClr val="accent1">
-              <a:lumMod val="20000"/>
-              <a:lumOff val="80000"/>
-            </a:schemeClr>
-          </a:solidFill>
-          <a:ln>
-            <a:solidFill>
-              <a:schemeClr val="tx1"/>
-            </a:solidFill>
-          </a:ln>
-        </p:spPr>
-        <p:style>
-          <a:lnRef idx="2">
-            <a:schemeClr val="accent1">
-              <a:shade val="50000"/>
-            </a:schemeClr>
-          </a:lnRef>
-          <a:fillRef idx="1">
-            <a:schemeClr val="accent1"/>
-          </a:fillRef>
-          <a:effectRef idx="0">
-            <a:schemeClr val="accent1"/>
-          </a:effectRef>
-          <a:fontRef idx="minor">
-            <a:schemeClr val="lt1"/>
-          </a:fontRef>
-        </p:style>
-        <p:txBody>
-          <a:bodyPr rtlCol="0" anchor="ctr">
-            <a:scene3d>
-              <a:camera prst="orthographicFront">
-                <a:rot lat="0" lon="0" rev="0"/>
-              </a:camera>
-              <a:lightRig rig="threePt" dir="t"/>
-            </a:scene3d>
-          </a:bodyPr>
-          <a:lstStyle/>
-          <a:p>
-            <a:pPr algn="ctr"/>
-            <a:r>
-              <a:rPr lang="en-US" altLang="ko-KR" sz="1400" dirty="0" smtClean="0">
-                <a:solidFill>
-                  <a:schemeClr val="tx1"/>
-                </a:solidFill>
-              </a:rPr>
-              <a:t>Needs to shares common protocol</a:t>
-            </a:r>
-            <a:endParaRPr lang="ko-KR" altLang="en-US" sz="1400">
-              <a:solidFill>
-                <a:schemeClr val="tx1"/>
-              </a:solidFill>
-            </a:endParaRPr>
-          </a:p>
-        </p:txBody>
-      </p:sp>
-      <p:sp>
-        <p:nvSpPr>
-          <p:cNvPr id="45" name="모서리가 접힌 도형 44"/>
-          <p:cNvSpPr/>
-          <p:nvPr/>
-        </p:nvSpPr>
-        <p:spPr>
-          <a:xfrm>
-            <a:off x="4843117" y="2311565"/>
-            <a:ext cx="1152000" cy="1296000"/>
-          </a:xfrm>
-          <a:prstGeom prst="foldedCorner">
-            <a:avLst/>
-          </a:prstGeom>
-          <a:solidFill>
-            <a:schemeClr val="accent1">
-              <a:lumMod val="20000"/>
-              <a:lumOff val="80000"/>
-            </a:schemeClr>
-          </a:solidFill>
-          <a:ln>
-            <a:solidFill>
-              <a:schemeClr val="tx1"/>
-            </a:solidFill>
-          </a:ln>
-        </p:spPr>
-        <p:style>
-          <a:lnRef idx="2">
-            <a:schemeClr val="accent1">
-              <a:shade val="50000"/>
-            </a:schemeClr>
-          </a:lnRef>
-          <a:fillRef idx="1">
-            <a:schemeClr val="accent1"/>
-          </a:fillRef>
-          <a:effectRef idx="0">
-            <a:schemeClr val="accent1"/>
-          </a:effectRef>
-          <a:fontRef idx="minor">
-            <a:schemeClr val="lt1"/>
-          </a:fontRef>
-        </p:style>
-        <p:txBody>
-          <a:bodyPr rtlCol="0" anchor="ctr">
-            <a:scene3d>
-              <a:camera prst="orthographicFront">
-                <a:rot lat="0" lon="0" rev="0"/>
-              </a:camera>
-              <a:lightRig rig="threePt" dir="t"/>
-            </a:scene3d>
-          </a:bodyPr>
-          <a:lstStyle/>
-          <a:p>
-            <a:pPr algn="ctr"/>
-            <a:r>
-              <a:rPr lang="en-US" altLang="ko-KR" sz="1400" dirty="0" smtClean="0">
-                <a:solidFill>
-                  <a:schemeClr val="tx1"/>
-                </a:solidFill>
-              </a:rPr>
-              <a:t>Needs to shares common DB schema</a:t>
-            </a:r>
-            <a:endParaRPr lang="ko-KR" altLang="en-US" sz="1400">
-              <a:solidFill>
-                <a:schemeClr val="tx1"/>
-              </a:solidFill>
-            </a:endParaRPr>
-          </a:p>
-        </p:txBody>
-      </p:sp>
-      <p:cxnSp>
-        <p:nvCxnSpPr>
-          <p:cNvPr id="47" name="직선 연결선 46"/>
-          <p:cNvCxnSpPr>
-            <a:endCxn id="14" idx="1"/>
-          </p:cNvCxnSpPr>
-          <p:nvPr/>
-        </p:nvCxnSpPr>
-        <p:spPr>
-          <a:xfrm>
-            <a:off x="2715250" y="2519826"/>
-            <a:ext cx="602559" cy="439739"/>
-          </a:xfrm>
-          <a:prstGeom prst="line">
-            <a:avLst/>
-          </a:prstGeom>
-          <a:ln w="12700">
-            <a:solidFill>
-              <a:schemeClr val="tx1"/>
-            </a:solidFill>
-            <a:prstDash val="sysDot"/>
-            <a:headEnd type="oval"/>
-          </a:ln>
-        </p:spPr>
-        <p:style>
-          <a:lnRef idx="1">
-            <a:schemeClr val="accent1"/>
-          </a:lnRef>
-          <a:fillRef idx="0">
-            <a:schemeClr val="accent1"/>
-          </a:fillRef>
-          <a:effectRef idx="0">
-            <a:schemeClr val="accent1"/>
-          </a:effectRef>
-          <a:fontRef idx="minor">
-            <a:schemeClr val="tx1"/>
-          </a:fontRef>
-        </p:style>
-      </p:cxnSp>
-      <p:cxnSp>
-        <p:nvCxnSpPr>
-          <p:cNvPr id="48" name="직선 연결선 47"/>
-          <p:cNvCxnSpPr>
-            <a:endCxn id="14" idx="1"/>
-          </p:cNvCxnSpPr>
-          <p:nvPr/>
-        </p:nvCxnSpPr>
-        <p:spPr>
-          <a:xfrm flipV="1">
-            <a:off x="2638979" y="2959565"/>
-            <a:ext cx="678830" cy="1905725"/>
-          </a:xfrm>
-          <a:prstGeom prst="line">
-            <a:avLst/>
-          </a:prstGeom>
-          <a:ln w="12700">
-            <a:solidFill>
-              <a:schemeClr val="tx1"/>
-            </a:solidFill>
-            <a:prstDash val="sysDot"/>
-            <a:headEnd type="oval"/>
-          </a:ln>
-        </p:spPr>
-        <p:style>
-          <a:lnRef idx="1">
-            <a:schemeClr val="accent1"/>
-          </a:lnRef>
-          <a:fillRef idx="0">
-            <a:schemeClr val="accent1"/>
-          </a:fillRef>
-          <a:effectRef idx="0">
-            <a:schemeClr val="accent1"/>
-          </a:effectRef>
-          <a:fontRef idx="minor">
-            <a:schemeClr val="tx1"/>
-          </a:fontRef>
-        </p:style>
-      </p:cxnSp>
-      <p:cxnSp>
-        <p:nvCxnSpPr>
-          <p:cNvPr id="64" name="직선 연결선 63"/>
-          <p:cNvCxnSpPr>
-            <a:endCxn id="45" idx="2"/>
-          </p:cNvCxnSpPr>
-          <p:nvPr/>
-        </p:nvCxnSpPr>
-        <p:spPr>
-          <a:xfrm flipV="1">
-            <a:off x="2735170" y="3607565"/>
-            <a:ext cx="2683947" cy="1293881"/>
-          </a:xfrm>
-          <a:prstGeom prst="line">
-            <a:avLst/>
-          </a:prstGeom>
-          <a:ln w="12700">
-            <a:solidFill>
-              <a:schemeClr val="tx1"/>
-            </a:solidFill>
-            <a:prstDash val="sysDot"/>
-            <a:headEnd type="oval"/>
-          </a:ln>
-        </p:spPr>
-        <p:style>
-          <a:lnRef idx="1">
-            <a:schemeClr val="accent1"/>
-          </a:lnRef>
-          <a:fillRef idx="0">
-            <a:schemeClr val="accent1"/>
-          </a:fillRef>
-          <a:effectRef idx="0">
-            <a:schemeClr val="accent1"/>
-          </a:effectRef>
-          <a:fontRef idx="minor">
-            <a:schemeClr val="tx1"/>
-          </a:fontRef>
-        </p:style>
-      </p:cxnSp>
-      <p:cxnSp>
-        <p:nvCxnSpPr>
-          <p:cNvPr id="67" name="직선 연결선 66"/>
-          <p:cNvCxnSpPr>
-            <a:endCxn id="45" idx="2"/>
-          </p:cNvCxnSpPr>
-          <p:nvPr/>
-        </p:nvCxnSpPr>
-        <p:spPr>
-          <a:xfrm flipH="1" flipV="1">
-            <a:off x="5419117" y="3607565"/>
-            <a:ext cx="373308" cy="1268876"/>
-          </a:xfrm>
-          <a:prstGeom prst="line">
-            <a:avLst/>
-          </a:prstGeom>
-          <a:ln w="12700">
-            <a:solidFill>
-              <a:schemeClr val="tx1"/>
-            </a:solidFill>
-            <a:prstDash val="sysDot"/>
-            <a:headEnd type="oval"/>
-          </a:ln>
-        </p:spPr>
-        <p:style>
-          <a:lnRef idx="1">
-            <a:schemeClr val="accent1"/>
-          </a:lnRef>
-          <a:fillRef idx="0">
-            <a:schemeClr val="accent1"/>
-          </a:fillRef>
-          <a:effectRef idx="0">
-            <a:schemeClr val="accent1"/>
-          </a:effectRef>
-          <a:fontRef idx="minor">
-            <a:schemeClr val="tx1"/>
-          </a:fontRef>
-        </p:style>
-      </p:cxnSp>
-      <p:sp>
-        <p:nvSpPr>
-          <p:cNvPr id="15" name="직사각형 14"/>
-          <p:cNvSpPr/>
-          <p:nvPr/>
-        </p:nvSpPr>
-        <p:spPr>
-          <a:xfrm>
-            <a:off x="6341525" y="4385604"/>
-            <a:ext cx="1637800" cy="1570836"/>
-          </a:xfrm>
-          <a:prstGeom prst="rect">
-            <a:avLst/>
-          </a:prstGeom>
-          <a:noFill/>
-          <a:ln>
-            <a:solidFill>
-              <a:schemeClr val="tx1"/>
-            </a:solidFill>
-          </a:ln>
-        </p:spPr>
-        <p:style>
-          <a:lnRef idx="2">
-            <a:schemeClr val="accent1">
-              <a:shade val="50000"/>
-            </a:schemeClr>
-          </a:lnRef>
-          <a:fillRef idx="1">
-            <a:schemeClr val="accent1"/>
-          </a:fillRef>
-          <a:effectRef idx="0">
-            <a:schemeClr val="accent1"/>
-          </a:effectRef>
-          <a:fontRef idx="minor">
-            <a:schemeClr val="lt1"/>
-          </a:fontRef>
-        </p:style>
-        <p:txBody>
-          <a:bodyPr rtlCol="0" anchor="ctr"/>
-          <a:lstStyle/>
-          <a:p>
-            <a:pPr algn="ctr"/>
-            <a:endParaRPr lang="ko-KR" altLang="en-US"/>
-          </a:p>
-        </p:txBody>
-      </p:sp>
-      <p:sp>
-        <p:nvSpPr>
-          <p:cNvPr id="16" name="직사각형 15"/>
-          <p:cNvSpPr/>
-          <p:nvPr/>
-        </p:nvSpPr>
-        <p:spPr>
-          <a:xfrm>
-            <a:off x="6341525" y="4429259"/>
-            <a:ext cx="1637800" cy="360000"/>
-          </a:xfrm>
-          <a:prstGeom prst="rect">
-            <a:avLst/>
-          </a:prstGeom>
-          <a:noFill/>
-          <a:ln>
-            <a:noFill/>
-          </a:ln>
-        </p:spPr>
-        <p:style>
-          <a:lnRef idx="2">
-            <a:schemeClr val="accent1">
-              <a:shade val="50000"/>
-            </a:schemeClr>
-          </a:lnRef>
-          <a:fillRef idx="1">
-            <a:schemeClr val="accent1"/>
-          </a:fillRef>
-          <a:effectRef idx="0">
-            <a:schemeClr val="accent1"/>
-          </a:effectRef>
-          <a:fontRef idx="minor">
-            <a:schemeClr val="lt1"/>
-          </a:fontRef>
-        </p:style>
-        <p:txBody>
-          <a:bodyPr lIns="144000" rtlCol="0" anchor="ctr"/>
-          <a:lstStyle/>
-          <a:p>
-            <a:r>
-              <a:rPr lang="en-US" altLang="ko-KR" sz="1400" b="1" i="1" u="sng" dirty="0" smtClean="0">
-                <a:solidFill>
-                  <a:schemeClr val="tx1"/>
-                </a:solidFill>
-              </a:rPr>
-              <a:t>Legend</a:t>
-            </a:r>
-            <a:endParaRPr lang="ko-KR" altLang="en-US" sz="1400" b="1" i="1" u="sng">
-              <a:solidFill>
-                <a:schemeClr val="tx1"/>
-              </a:solidFill>
-            </a:endParaRPr>
-          </a:p>
-        </p:txBody>
-      </p:sp>
-      <p:graphicFrame>
-        <p:nvGraphicFramePr>
-          <p:cNvPr id="18" name="표 17"/>
-          <p:cNvGraphicFramePr>
-            <a:graphicFrameLocks noGrp="1"/>
-          </p:cNvGraphicFramePr>
-          <p:nvPr>
-            <p:extLst>
-              <p:ext uri="{D42A27DB-BD31-4B8C-83A1-F6EECF244321}">
-                <p14:modId xmlns:p14="http://schemas.microsoft.com/office/powerpoint/2010/main" val="2918359647"/>
-              </p:ext>
-            </p:extLst>
-          </p:nvPr>
-        </p:nvGraphicFramePr>
-        <p:xfrm>
-          <a:off x="7074073" y="4791659"/>
-          <a:ext cx="900402" cy="1069480"/>
-        </p:xfrm>
-        <a:graphic>
-          <a:graphicData uri="http://schemas.openxmlformats.org/drawingml/2006/table">
-            <a:tbl>
-              <a:tblPr firstRow="1" bandRow="1">
-                <a:tableStyleId>{2D5ABB26-0587-4C30-8999-92F81FD0307C}</a:tableStyleId>
-              </a:tblPr>
-              <a:tblGrid>
-                <a:gridCol w="900402"/>
-              </a:tblGrid>
-              <a:tr h="534740">
-                <a:tc>
-                  <a:txBody>
-                    <a:bodyPr/>
-                    <a:lstStyle/>
-                    <a:p>
-                      <a:pPr algn="l" latinLnBrk="1"/>
-                      <a:r>
-                        <a:rPr lang="en-US" altLang="ko-KR" sz="1400" dirty="0" smtClean="0">
-                          <a:latin typeface="+mn-lt"/>
-                        </a:rPr>
-                        <a:t>Package</a:t>
-                      </a:r>
-                      <a:endParaRPr lang="ko-KR" altLang="en-US" sz="1400" dirty="0">
-                        <a:latin typeface="+mn-lt"/>
-                      </a:endParaRPr>
-                    </a:p>
-                  </a:txBody>
-                  <a:tcPr anchor="ctr"/>
-                </a:tc>
-              </a:tr>
-              <a:tr h="534740">
-                <a:tc>
-                  <a:txBody>
-                    <a:bodyPr/>
-                    <a:lstStyle/>
-                    <a:p>
-                      <a:pPr algn="l" latinLnBrk="1"/>
-                      <a:r>
-                        <a:rPr lang="en-US" altLang="ko-KR" sz="1400" dirty="0" smtClean="0">
-                          <a:latin typeface="+mn-lt"/>
-                        </a:rPr>
-                        <a:t>Note</a:t>
-                      </a:r>
-                      <a:endParaRPr lang="ko-KR" altLang="en-US" sz="1400">
-                        <a:latin typeface="+mn-lt"/>
-                      </a:endParaRPr>
-                    </a:p>
-                  </a:txBody>
-                  <a:tcPr anchor="ctr"/>
-                </a:tc>
-              </a:tr>
-            </a:tbl>
-          </a:graphicData>
-        </a:graphic>
-      </p:graphicFrame>
-      <p:grpSp>
-        <p:nvGrpSpPr>
-          <p:cNvPr id="3" name="그룹 2"/>
-          <p:cNvGrpSpPr/>
-          <p:nvPr/>
-        </p:nvGrpSpPr>
-        <p:grpSpPr>
-          <a:xfrm>
-            <a:off x="6502434" y="4865290"/>
-            <a:ext cx="442635" cy="361564"/>
-            <a:chOff x="5057814" y="590160"/>
-            <a:chExt cx="1944000" cy="1440000"/>
-          </a:xfrm>
-        </p:grpSpPr>
-        <p:sp>
-          <p:nvSpPr>
-            <p:cNvPr id="26" name="직사각형 25"/>
-            <p:cNvSpPr/>
-            <p:nvPr/>
-          </p:nvSpPr>
-          <p:spPr>
-            <a:xfrm>
-              <a:off x="5057814" y="734160"/>
-              <a:ext cx="1944000" cy="1296000"/>
-            </a:xfrm>
-            <a:prstGeom prst="rect">
-              <a:avLst/>
-            </a:prstGeom>
-            <a:solidFill>
-              <a:schemeClr val="bg1"/>
-            </a:solidFill>
-            <a:ln>
-              <a:solidFill>
-                <a:schemeClr val="tx1"/>
-              </a:solidFill>
-            </a:ln>
-          </p:spPr>
-          <p:style>
-            <a:lnRef idx="2">
-              <a:schemeClr val="accent3">
-                <a:shade val="50000"/>
-              </a:schemeClr>
-            </a:lnRef>
-            <a:fillRef idx="1">
-              <a:schemeClr val="accent3"/>
-            </a:fillRef>
-            <a:effectRef idx="0">
-              <a:schemeClr val="accent3"/>
-            </a:effectRef>
-            <a:fontRef idx="minor">
-              <a:schemeClr val="lt1"/>
-            </a:fontRef>
-          </p:style>
-          <p:txBody>
-            <a:bodyPr rtlCol="0" anchor="ctr"/>
-            <a:lstStyle/>
-            <a:p>
-              <a:pPr algn="ctr"/>
-              <a:endParaRPr lang="ko-KR" altLang="en-US" sz="1600" dirty="0">
-                <a:solidFill>
-                  <a:schemeClr val="tx1"/>
-                </a:solidFill>
-              </a:endParaRPr>
-            </a:p>
-          </p:txBody>
-        </p:sp>
-        <p:sp>
-          <p:nvSpPr>
-            <p:cNvPr id="27" name="사다리꼴 26"/>
-            <p:cNvSpPr/>
-            <p:nvPr/>
-          </p:nvSpPr>
-          <p:spPr>
-            <a:xfrm>
-              <a:off x="5057814" y="590160"/>
-              <a:ext cx="720000" cy="144000"/>
-            </a:xfrm>
-            <a:prstGeom prst="trapezoid">
-              <a:avLst>
-                <a:gd name="adj" fmla="val 47951"/>
-              </a:avLst>
-            </a:prstGeom>
-            <a:solidFill>
-              <a:schemeClr val="bg1"/>
-            </a:solidFill>
-            <a:ln>
-              <a:solidFill>
-                <a:schemeClr val="tx1"/>
-              </a:solidFill>
-            </a:ln>
-          </p:spPr>
-          <p:style>
-            <a:lnRef idx="2">
-              <a:schemeClr val="accent1">
-                <a:shade val="50000"/>
-              </a:schemeClr>
-            </a:lnRef>
-            <a:fillRef idx="1">
-              <a:schemeClr val="accent1"/>
-            </a:fillRef>
-            <a:effectRef idx="0">
-              <a:schemeClr val="accent1"/>
-            </a:effectRef>
-            <a:fontRef idx="minor">
-              <a:schemeClr val="lt1"/>
-            </a:fontRef>
-          </p:style>
-          <p:txBody>
-            <a:bodyPr rtlCol="0" anchor="ctr"/>
-            <a:lstStyle/>
-            <a:p>
-              <a:pPr algn="ctr"/>
-              <a:endParaRPr lang="ko-KR" altLang="en-US"/>
-            </a:p>
-          </p:txBody>
-        </p:sp>
-      </p:grpSp>
-      <p:sp>
-        <p:nvSpPr>
-          <p:cNvPr id="30" name="모서리가 접힌 도형 29"/>
-          <p:cNvSpPr/>
-          <p:nvPr/>
-        </p:nvSpPr>
-        <p:spPr>
-          <a:xfrm>
-            <a:off x="6502434" y="5446509"/>
-            <a:ext cx="451846" cy="325408"/>
-          </a:xfrm>
-          <a:prstGeom prst="foldedCorner">
-            <a:avLst/>
-          </a:prstGeom>
-          <a:solidFill>
-            <a:schemeClr val="accent1">
-              <a:lumMod val="20000"/>
-              <a:lumOff val="80000"/>
-            </a:schemeClr>
-          </a:solidFill>
-          <a:ln>
-            <a:solidFill>
-              <a:schemeClr val="tx1"/>
-            </a:solidFill>
-          </a:ln>
-        </p:spPr>
-        <p:style>
-          <a:lnRef idx="2">
-            <a:schemeClr val="accent1">
-              <a:shade val="50000"/>
-            </a:schemeClr>
-          </a:lnRef>
-          <a:fillRef idx="1">
-            <a:schemeClr val="accent1"/>
-          </a:fillRef>
-          <a:effectRef idx="0">
-            <a:schemeClr val="accent1"/>
-          </a:effectRef>
-          <a:fontRef idx="minor">
-            <a:schemeClr val="lt1"/>
-          </a:fontRef>
-        </p:style>
-        <p:txBody>
-          <a:bodyPr rtlCol="0" anchor="ctr">
-            <a:scene3d>
-              <a:camera prst="orthographicFront">
-                <a:rot lat="0" lon="0" rev="0"/>
-              </a:camera>
-              <a:lightRig rig="threePt" dir="t"/>
-            </a:scene3d>
-          </a:bodyPr>
-          <a:lstStyle/>
-          <a:p>
-            <a:pPr algn="ctr"/>
-            <a:endParaRPr lang="ko-KR" altLang="en-US" sz="1400" dirty="0">
-              <a:solidFill>
-                <a:schemeClr val="tx1"/>
-              </a:solidFill>
-            </a:endParaRPr>
-          </a:p>
-        </p:txBody>
-      </p:sp>
-    </p:spTree>
-    <p:extLst>
-      <p:ext uri="{BB962C8B-B14F-4D97-AF65-F5344CB8AC3E}">
-        <p14:creationId xmlns:p14="http://schemas.microsoft.com/office/powerpoint/2010/main" val="3223993970"/>
-      </p:ext>
-    </p:extLst>
-  </p:cSld>
-  <p:clrMapOvr>
-    <a:masterClrMapping/>
-  </p:clrMapOvr>
-  <p:timing>
-    <p:tnLst>
-      <p:par>
-        <p:cTn id="1" dur="indefinite" restart="never" nodeType="tmRoot"/>
-      </p:par>
-    </p:tnLst>
-  </p:timing>
-</p:sld>
-</file>
-
 <file path=ppt/slides/slide7.xml><?xml version="1.0" encoding="utf-8"?>
 <p:sld xmlns:a="http://schemas.openxmlformats.org/drawingml/2006/main" xmlns:r="http://schemas.openxmlformats.org/officeDocument/2006/relationships" xmlns:p="http://schemas.openxmlformats.org/presentationml/2006/main">
   <p:cSld>
@@ -9237,7 +9341,7 @@
           <a:p>
             <a:r>
               <a:rPr lang="en-US" altLang="ko-KR" dirty="0" smtClean="0"/>
-              <a:t>Rationale</a:t>
+              <a:t>Rationale (Cont’d)</a:t>
             </a:r>
             <a:endParaRPr lang="ko-KR" altLang="en-US"/>
           </a:p>
@@ -9261,88 +9365,33 @@
           <a:lstStyle/>
           <a:p>
             <a:r>
+              <a:rPr lang="en-US" altLang="ko-KR" dirty="0" smtClean="0"/>
+              <a:t>Modifiability is one of the most important QAs of the </a:t>
+            </a:r>
+            <a:r>
+              <a:rPr lang="en-US" altLang="ko-KR" dirty="0" err="1" smtClean="0"/>
+              <a:t>SurePark</a:t>
+            </a:r>
+            <a:r>
+              <a:rPr lang="en-US" altLang="ko-KR" dirty="0" smtClean="0"/>
+              <a:t> system. An engineer needs </a:t>
+            </a:r>
+            <a:r>
               <a:rPr lang="en-US" altLang="ko-KR" dirty="0"/>
-              <a:t>Repository </a:t>
+              <a:t>to </a:t>
             </a:r>
             <a:r>
               <a:rPr lang="en-US" altLang="ko-KR" dirty="0" smtClean="0"/>
-              <a:t>Pattern</a:t>
-            </a:r>
-          </a:p>
-          <a:p>
-            <a:pPr marL="457200" lvl="1" indent="0">
-              <a:buNone/>
-            </a:pPr>
+              <a:t>scale up </a:t>
+            </a:r>
+            <a:r>
+              <a:rPr lang="en-US" altLang="ko-KR" dirty="0"/>
+              <a:t>the </a:t>
+            </a:r>
             <a:r>
               <a:rPr lang="en-US" altLang="ko-KR" dirty="0" smtClean="0"/>
-              <a:t>provides </a:t>
-            </a:r>
-            <a:r>
-              <a:rPr lang="en-US" altLang="ko-KR" dirty="0"/>
-              <a:t>a structure to store and provide access to </a:t>
-            </a:r>
-            <a:r>
-              <a:rPr lang="en-US" altLang="ko-KR" dirty="0" smtClean="0"/>
-              <a:t>all </a:t>
-            </a:r>
-            <a:r>
-              <a:rPr lang="en-US" altLang="ko-KR" dirty="0"/>
-              <a:t>of the data about users, garages and </a:t>
-            </a:r>
-            <a:r>
-              <a:rPr lang="en-US" altLang="ko-KR" dirty="0" smtClean="0"/>
-              <a:t>reservations</a:t>
-            </a:r>
-          </a:p>
-          <a:p>
-            <a:r>
-              <a:rPr lang="en-US" altLang="ko-KR" dirty="0"/>
-              <a:t>Client-Server </a:t>
-            </a:r>
-            <a:r>
-              <a:rPr lang="en-US" altLang="ko-KR" dirty="0" smtClean="0"/>
-              <a:t>Pattern</a:t>
-            </a:r>
-          </a:p>
-          <a:p>
-            <a:pPr lvl="1">
-              <a:buFontTx/>
-              <a:buChar char="-"/>
-            </a:pPr>
-            <a:r>
-              <a:rPr lang="en-US" altLang="ko-KR" dirty="0" smtClean="0"/>
-              <a:t>Pros</a:t>
-            </a:r>
-            <a:r>
-              <a:rPr lang="en-US" altLang="ko-KR" dirty="0"/>
-              <a:t>: scale, in that it is easy to add more clients and easy to add more </a:t>
-            </a:r>
-            <a:r>
-              <a:rPr lang="en-US" altLang="ko-KR" dirty="0" smtClean="0"/>
-              <a:t>data</a:t>
-            </a:r>
-          </a:p>
-          <a:p>
-            <a:pPr lvl="1">
-              <a:buFontTx/>
-              <a:buChar char="-"/>
-            </a:pPr>
-            <a:r>
-              <a:rPr lang="en-US" altLang="ko-KR" dirty="0"/>
-              <a:t>Cons: </a:t>
-            </a:r>
-            <a:r>
-              <a:rPr lang="en-US" altLang="ko-KR" dirty="0" smtClean="0"/>
-              <a:t>reliability, performance, security, complexity, modifiability </a:t>
-            </a:r>
-            <a:r>
-              <a:rPr lang="en-US" altLang="ko-KR" dirty="0"/>
-              <a:t>(can be hard to change data structure, protocols, or identify of servers)</a:t>
-            </a:r>
-            <a:endParaRPr lang="en-US" altLang="ko-KR" dirty="0" smtClean="0"/>
-          </a:p>
-          <a:p>
-            <a:endParaRPr lang="ko-KR" altLang="en-US" dirty="0"/>
+              <a:t>system within a week. We have divided the whole system into 5 parts according to their responsibilities, and applied client-server and repository pattern to connect each parts.</a:t>
+            </a:r>
           </a:p>
         </p:txBody>
       </p:sp>
@@ -9398,6 +9447,10 @@
           <a:bodyPr/>
           <a:lstStyle/>
           <a:p>
+            <a:r>
+              <a:rPr lang="en-US" altLang="ko-KR" dirty="0" smtClean="0"/>
+              <a:t>Rationale (Cont’d)</a:t>
+            </a:r>
             <a:endParaRPr lang="ko-KR" altLang="en-US"/>
           </a:p>
         </p:txBody>
@@ -9414,41 +9467,75 @@
         </p:nvSpPr>
         <p:spPr/>
         <p:txBody>
-          <a:bodyPr/>
-          <a:lstStyle/>
-          <a:p>
-            <a:endParaRPr lang="ko-KR" altLang="en-US"/>
-          </a:p>
-        </p:txBody>
-      </p:sp>
-      <p:pic>
-        <p:nvPicPr>
-          <p:cNvPr id="4" name="그림 3"/>
-          <p:cNvPicPr>
-            <a:picLocks noChangeAspect="1"/>
-          </p:cNvPicPr>
-          <p:nvPr/>
-        </p:nvPicPr>
-        <p:blipFill>
-          <a:blip r:embed="rId2"/>
-          <a:stretch>
-            <a:fillRect/>
-          </a:stretch>
-        </p:blipFill>
-        <p:spPr>
-          <a:xfrm rot="5400000">
-            <a:off x="1357340" y="-1117679"/>
-            <a:ext cx="6429320" cy="9093358"/>
-          </a:xfrm>
-          <a:prstGeom prst="rect">
-            <a:avLst/>
-          </a:prstGeom>
-        </p:spPr>
-      </p:pic>
+          <a:bodyPr>
+            <a:normAutofit/>
+          </a:bodyPr>
+          <a:lstStyle/>
+          <a:p>
+            <a:r>
+              <a:rPr lang="en-US" altLang="ko-KR" dirty="0" smtClean="0"/>
+              <a:t>Client-Server Pattern</a:t>
+            </a:r>
+          </a:p>
+          <a:p>
+            <a:pPr lvl="1">
+              <a:buFontTx/>
+              <a:buChar char="-"/>
+            </a:pPr>
+            <a:r>
+              <a:rPr lang="en-US" altLang="ko-KR" dirty="0" smtClean="0"/>
+              <a:t>Pros</a:t>
+            </a:r>
+            <a:r>
+              <a:rPr lang="en-US" altLang="ko-KR" dirty="0"/>
+              <a:t>: scale, in that it is easy to add more clients and easy to add more </a:t>
+            </a:r>
+            <a:r>
+              <a:rPr lang="en-US" altLang="ko-KR" dirty="0" smtClean="0"/>
+              <a:t>data</a:t>
+            </a:r>
+          </a:p>
+          <a:p>
+            <a:pPr lvl="1">
+              <a:buFontTx/>
+              <a:buChar char="-"/>
+            </a:pPr>
+            <a:r>
+              <a:rPr lang="en-US" altLang="ko-KR" dirty="0"/>
+              <a:t>Cons: </a:t>
+            </a:r>
+            <a:r>
+              <a:rPr lang="en-US" altLang="ko-KR" dirty="0" smtClean="0"/>
+              <a:t>reliability, performance, security, complexity, modifiability </a:t>
+            </a:r>
+            <a:r>
+              <a:rPr lang="en-US" altLang="ko-KR" dirty="0"/>
+              <a:t>(can be hard to change data structure, protocols, or identify of servers)</a:t>
+            </a:r>
+            <a:endParaRPr lang="en-US" altLang="ko-KR" dirty="0" smtClean="0"/>
+          </a:p>
+          <a:p>
+            <a:r>
+              <a:rPr lang="en-US" altLang="ko-KR" dirty="0"/>
+              <a:t>Repository Pattern</a:t>
+            </a:r>
+          </a:p>
+          <a:p>
+            <a:pPr marL="457200" lvl="1" indent="0">
+              <a:buNone/>
+            </a:pPr>
+            <a:r>
+              <a:rPr lang="en-US" altLang="ko-KR" dirty="0"/>
+              <a:t>provides a structure to store and provide access to all of the data about users, garages and reservations</a:t>
+            </a:r>
+            <a:endParaRPr lang="ko-KR" altLang="en-US" dirty="0"/>
+          </a:p>
+        </p:txBody>
+      </p:sp>
     </p:spTree>
     <p:extLst>
       <p:ext uri="{BB962C8B-B14F-4D97-AF65-F5344CB8AC3E}">
-        <p14:creationId xmlns:p14="http://schemas.microsoft.com/office/powerpoint/2010/main" val="4118954918"/>
+        <p14:creationId xmlns:p14="http://schemas.microsoft.com/office/powerpoint/2010/main" val="2752850983"/>
       </p:ext>
     </p:extLst>
   </p:cSld>
@@ -9497,10 +9584,6 @@
           <a:bodyPr/>
           <a:lstStyle/>
           <a:p>
-            <a:r>
-              <a:rPr lang="en-US" altLang="ko-KR" dirty="0" smtClean="0"/>
-              <a:t>Rationale</a:t>
-            </a:r>
             <a:endParaRPr lang="ko-KR" altLang="en-US"/>
           </a:p>
         </p:txBody>
@@ -9520,13 +9603,13 @@
           <a:bodyPr/>
           <a:lstStyle/>
           <a:p>
-            <a:endParaRPr lang="ko-KR" altLang="en-US" dirty="0"/>
+            <a:endParaRPr lang="ko-KR" altLang="en-US"/>
           </a:p>
         </p:txBody>
       </p:sp>
       <p:pic>
         <p:nvPicPr>
-          <p:cNvPr id="5" name="그림 4"/>
+          <p:cNvPr id="4" name="그림 3"/>
           <p:cNvPicPr>
             <a:picLocks noChangeAspect="1"/>
           </p:cNvPicPr>
@@ -9551,7 +9634,7 @@
     </p:spTree>
     <p:extLst>
       <p:ext uri="{BB962C8B-B14F-4D97-AF65-F5344CB8AC3E}">
-        <p14:creationId xmlns:p14="http://schemas.microsoft.com/office/powerpoint/2010/main" val="1668198673"/>
+        <p14:creationId xmlns:p14="http://schemas.microsoft.com/office/powerpoint/2010/main" val="4118954918"/>
       </p:ext>
     </p:extLst>
   </p:cSld>

--- a/cmu/SurePark/Pictures.pptx
+++ b/cmu/SurePark/Pictures.pptx
@@ -15,6 +15,7 @@
     <p:sldId id="266" r:id="rId9"/>
     <p:sldId id="261" r:id="rId10"/>
     <p:sldId id="260" r:id="rId11"/>
+    <p:sldId id="267" r:id="rId12"/>
   </p:sldIdLst>
   <p:sldSz cx="9144000" cy="6858000" type="screen4x3"/>
   <p:notesSz cx="6858000" cy="9144000"/>
@@ -275,7 +276,7 @@
           <a:p>
             <a:fld id="{30D46686-9C38-4F0D-B0C6-D73A6F36E862}" type="datetimeFigureOut">
               <a:rPr lang="ko-KR" altLang="en-US" smtClean="0"/>
-              <a:t>2016-06-14</a:t>
+              <a:t>2016-06-13</a:t>
             </a:fld>
             <a:endParaRPr lang="ko-KR" altLang="en-US"/>
           </a:p>
@@ -445,7 +446,7 @@
           <a:p>
             <a:fld id="{30D46686-9C38-4F0D-B0C6-D73A6F36E862}" type="datetimeFigureOut">
               <a:rPr lang="ko-KR" altLang="en-US" smtClean="0"/>
-              <a:t>2016-06-14</a:t>
+              <a:t>2016-06-13</a:t>
             </a:fld>
             <a:endParaRPr lang="ko-KR" altLang="en-US"/>
           </a:p>
@@ -625,7 +626,7 @@
           <a:p>
             <a:fld id="{30D46686-9C38-4F0D-B0C6-D73A6F36E862}" type="datetimeFigureOut">
               <a:rPr lang="ko-KR" altLang="en-US" smtClean="0"/>
-              <a:t>2016-06-14</a:t>
+              <a:t>2016-06-13</a:t>
             </a:fld>
             <a:endParaRPr lang="ko-KR" altLang="en-US"/>
           </a:p>
@@ -795,7 +796,7 @@
           <a:p>
             <a:fld id="{30D46686-9C38-4F0D-B0C6-D73A6F36E862}" type="datetimeFigureOut">
               <a:rPr lang="ko-KR" altLang="en-US" smtClean="0"/>
-              <a:t>2016-06-14</a:t>
+              <a:t>2016-06-13</a:t>
             </a:fld>
             <a:endParaRPr lang="ko-KR" altLang="en-US"/>
           </a:p>
@@ -1039,7 +1040,7 @@
           <a:p>
             <a:fld id="{30D46686-9C38-4F0D-B0C6-D73A6F36E862}" type="datetimeFigureOut">
               <a:rPr lang="ko-KR" altLang="en-US" smtClean="0"/>
-              <a:t>2016-06-14</a:t>
+              <a:t>2016-06-13</a:t>
             </a:fld>
             <a:endParaRPr lang="ko-KR" altLang="en-US"/>
           </a:p>
@@ -1271,7 +1272,7 @@
           <a:p>
             <a:fld id="{30D46686-9C38-4F0D-B0C6-D73A6F36E862}" type="datetimeFigureOut">
               <a:rPr lang="ko-KR" altLang="en-US" smtClean="0"/>
-              <a:t>2016-06-14</a:t>
+              <a:t>2016-06-13</a:t>
             </a:fld>
             <a:endParaRPr lang="ko-KR" altLang="en-US"/>
           </a:p>
@@ -1638,7 +1639,7 @@
           <a:p>
             <a:fld id="{30D46686-9C38-4F0D-B0C6-D73A6F36E862}" type="datetimeFigureOut">
               <a:rPr lang="ko-KR" altLang="en-US" smtClean="0"/>
-              <a:t>2016-06-14</a:t>
+              <a:t>2016-06-13</a:t>
             </a:fld>
             <a:endParaRPr lang="ko-KR" altLang="en-US"/>
           </a:p>
@@ -1756,7 +1757,7 @@
           <a:p>
             <a:fld id="{30D46686-9C38-4F0D-B0C6-D73A6F36E862}" type="datetimeFigureOut">
               <a:rPr lang="ko-KR" altLang="en-US" smtClean="0"/>
-              <a:t>2016-06-14</a:t>
+              <a:t>2016-06-13</a:t>
             </a:fld>
             <a:endParaRPr lang="ko-KR" altLang="en-US"/>
           </a:p>
@@ -1851,7 +1852,7 @@
           <a:p>
             <a:fld id="{30D46686-9C38-4F0D-B0C6-D73A6F36E862}" type="datetimeFigureOut">
               <a:rPr lang="ko-KR" altLang="en-US" smtClean="0"/>
-              <a:t>2016-06-14</a:t>
+              <a:t>2016-06-13</a:t>
             </a:fld>
             <a:endParaRPr lang="ko-KR" altLang="en-US"/>
           </a:p>
@@ -2128,7 +2129,7 @@
           <a:p>
             <a:fld id="{30D46686-9C38-4F0D-B0C6-D73A6F36E862}" type="datetimeFigureOut">
               <a:rPr lang="ko-KR" altLang="en-US" smtClean="0"/>
-              <a:t>2016-06-14</a:t>
+              <a:t>2016-06-13</a:t>
             </a:fld>
             <a:endParaRPr lang="ko-KR" altLang="en-US"/>
           </a:p>
@@ -2385,7 +2386,7 @@
           <a:p>
             <a:fld id="{30D46686-9C38-4F0D-B0C6-D73A6F36E862}" type="datetimeFigureOut">
               <a:rPr lang="ko-KR" altLang="en-US" smtClean="0"/>
-              <a:t>2016-06-14</a:t>
+              <a:t>2016-06-13</a:t>
             </a:fld>
             <a:endParaRPr lang="ko-KR" altLang="en-US"/>
           </a:p>
@@ -2598,7 +2599,7 @@
           <a:p>
             <a:fld id="{30D46686-9C38-4F0D-B0C6-D73A6F36E862}" type="datetimeFigureOut">
               <a:rPr lang="ko-KR" altLang="en-US" smtClean="0"/>
-              <a:t>2016-06-14</a:t>
+              <a:t>2016-06-13</a:t>
             </a:fld>
             <a:endParaRPr lang="ko-KR" altLang="en-US"/>
           </a:p>
@@ -3178,6 +3179,1149 @@
 </p:sld>
 </file>
 
+<file path=ppt/slides/slide11.xml><?xml version="1.0" encoding="utf-8"?>
+<p:sld xmlns:a="http://schemas.openxmlformats.org/drawingml/2006/main" xmlns:r="http://schemas.openxmlformats.org/officeDocument/2006/relationships" xmlns:p="http://schemas.openxmlformats.org/presentationml/2006/main">
+  <p:cSld>
+    <p:spTree>
+      <p:nvGrpSpPr>
+        <p:cNvPr id="1" name=""/>
+        <p:cNvGrpSpPr/>
+        <p:nvPr/>
+      </p:nvGrpSpPr>
+      <p:grpSpPr>
+        <a:xfrm>
+          <a:off x="0" y="0"/>
+          <a:ext cx="0" cy="0"/>
+          <a:chOff x="0" y="0"/>
+          <a:chExt cx="0" cy="0"/>
+        </a:xfrm>
+      </p:grpSpPr>
+      <p:grpSp>
+        <p:nvGrpSpPr>
+          <p:cNvPr id="24" name="그룹 23"/>
+          <p:cNvGrpSpPr/>
+          <p:nvPr/>
+        </p:nvGrpSpPr>
+        <p:grpSpPr>
+          <a:xfrm>
+            <a:off x="2248494" y="951709"/>
+            <a:ext cx="1944000" cy="1440000"/>
+            <a:chOff x="969671" y="2167565"/>
+            <a:chExt cx="1944000" cy="1440000"/>
+          </a:xfrm>
+        </p:grpSpPr>
+        <p:sp>
+          <p:nvSpPr>
+            <p:cNvPr id="4" name="직사각형 3"/>
+            <p:cNvSpPr/>
+            <p:nvPr/>
+          </p:nvSpPr>
+          <p:spPr>
+            <a:xfrm>
+              <a:off x="969671" y="2311565"/>
+              <a:ext cx="1944000" cy="1296000"/>
+            </a:xfrm>
+            <a:prstGeom prst="rect">
+              <a:avLst/>
+            </a:prstGeom>
+            <a:solidFill>
+              <a:schemeClr val="bg1"/>
+            </a:solidFill>
+            <a:ln>
+              <a:solidFill>
+                <a:schemeClr val="tx1"/>
+              </a:solidFill>
+            </a:ln>
+          </p:spPr>
+          <p:style>
+            <a:lnRef idx="2">
+              <a:schemeClr val="accent3">
+                <a:shade val="50000"/>
+              </a:schemeClr>
+            </a:lnRef>
+            <a:fillRef idx="1">
+              <a:schemeClr val="accent3"/>
+            </a:fillRef>
+            <a:effectRef idx="0">
+              <a:schemeClr val="accent3"/>
+            </a:effectRef>
+            <a:fontRef idx="minor">
+              <a:schemeClr val="lt1"/>
+            </a:fontRef>
+          </p:style>
+          <p:txBody>
+            <a:bodyPr rtlCol="0" anchor="ctr"/>
+            <a:lstStyle/>
+            <a:p>
+              <a:pPr algn="ctr"/>
+              <a:r>
+                <a:rPr lang="en-US" altLang="ko-KR" sz="1600" dirty="0" smtClean="0">
+                  <a:solidFill>
+                    <a:schemeClr val="tx1"/>
+                  </a:solidFill>
+                </a:rPr>
+                <a:t>Common</a:t>
+              </a:r>
+              <a:endParaRPr lang="ko-KR" altLang="en-US" sz="1600">
+                <a:solidFill>
+                  <a:schemeClr val="tx1"/>
+                </a:solidFill>
+              </a:endParaRPr>
+            </a:p>
+          </p:txBody>
+        </p:sp>
+        <p:sp>
+          <p:nvSpPr>
+            <p:cNvPr id="5" name="사다리꼴 4"/>
+            <p:cNvSpPr/>
+            <p:nvPr/>
+          </p:nvSpPr>
+          <p:spPr>
+            <a:xfrm>
+              <a:off x="969671" y="2167565"/>
+              <a:ext cx="720000" cy="144000"/>
+            </a:xfrm>
+            <a:prstGeom prst="trapezoid">
+              <a:avLst>
+                <a:gd name="adj" fmla="val 47951"/>
+              </a:avLst>
+            </a:prstGeom>
+            <a:solidFill>
+              <a:schemeClr val="bg1"/>
+            </a:solidFill>
+            <a:ln>
+              <a:solidFill>
+                <a:schemeClr val="tx1"/>
+              </a:solidFill>
+            </a:ln>
+          </p:spPr>
+          <p:style>
+            <a:lnRef idx="2">
+              <a:schemeClr val="accent1">
+                <a:shade val="50000"/>
+              </a:schemeClr>
+            </a:lnRef>
+            <a:fillRef idx="1">
+              <a:schemeClr val="accent1"/>
+            </a:fillRef>
+            <a:effectRef idx="0">
+              <a:schemeClr val="accent1"/>
+            </a:effectRef>
+            <a:fontRef idx="minor">
+              <a:schemeClr val="lt1"/>
+            </a:fontRef>
+          </p:style>
+          <p:txBody>
+            <a:bodyPr rtlCol="0" anchor="ctr"/>
+            <a:lstStyle/>
+            <a:p>
+              <a:pPr algn="ctr"/>
+              <a:endParaRPr lang="ko-KR" altLang="en-US"/>
+            </a:p>
+          </p:txBody>
+        </p:sp>
+      </p:grpSp>
+      <p:grpSp>
+        <p:nvGrpSpPr>
+          <p:cNvPr id="25" name="그룹 24"/>
+          <p:cNvGrpSpPr/>
+          <p:nvPr/>
+        </p:nvGrpSpPr>
+        <p:grpSpPr>
+          <a:xfrm>
+            <a:off x="1024494" y="2881900"/>
+            <a:ext cx="1944000" cy="1440000"/>
+            <a:chOff x="969671" y="4516440"/>
+            <a:chExt cx="1944000" cy="1440000"/>
+          </a:xfrm>
+        </p:grpSpPr>
+        <p:sp>
+          <p:nvSpPr>
+            <p:cNvPr id="6" name="직사각형 5"/>
+            <p:cNvSpPr/>
+            <p:nvPr/>
+          </p:nvSpPr>
+          <p:spPr>
+            <a:xfrm>
+              <a:off x="969671" y="4660440"/>
+              <a:ext cx="1944000" cy="1296000"/>
+            </a:xfrm>
+            <a:prstGeom prst="rect">
+              <a:avLst/>
+            </a:prstGeom>
+            <a:solidFill>
+              <a:schemeClr val="bg1"/>
+            </a:solidFill>
+            <a:ln>
+              <a:solidFill>
+                <a:schemeClr val="tx1"/>
+              </a:solidFill>
+            </a:ln>
+          </p:spPr>
+          <p:style>
+            <a:lnRef idx="2">
+              <a:schemeClr val="accent3">
+                <a:shade val="50000"/>
+              </a:schemeClr>
+            </a:lnRef>
+            <a:fillRef idx="1">
+              <a:schemeClr val="accent3"/>
+            </a:fillRef>
+            <a:effectRef idx="0">
+              <a:schemeClr val="accent3"/>
+            </a:effectRef>
+            <a:fontRef idx="minor">
+              <a:schemeClr val="lt1"/>
+            </a:fontRef>
+          </p:style>
+          <p:txBody>
+            <a:bodyPr rtlCol="0" anchor="ctr"/>
+            <a:lstStyle/>
+            <a:p>
+              <a:pPr algn="ctr"/>
+              <a:r>
+                <a:rPr lang="en-US" altLang="ko-KR" sz="1600" dirty="0" smtClean="0">
+                  <a:solidFill>
+                    <a:schemeClr val="tx1"/>
+                  </a:solidFill>
+                </a:rPr>
+                <a:t>Management Service</a:t>
+              </a:r>
+              <a:endParaRPr lang="ko-KR" altLang="en-US" sz="1600">
+                <a:solidFill>
+                  <a:schemeClr val="tx1"/>
+                </a:solidFill>
+              </a:endParaRPr>
+            </a:p>
+          </p:txBody>
+        </p:sp>
+        <p:sp>
+          <p:nvSpPr>
+            <p:cNvPr id="7" name="사다리꼴 6"/>
+            <p:cNvSpPr/>
+            <p:nvPr/>
+          </p:nvSpPr>
+          <p:spPr>
+            <a:xfrm>
+              <a:off x="969671" y="4516440"/>
+              <a:ext cx="720000" cy="144000"/>
+            </a:xfrm>
+            <a:prstGeom prst="trapezoid">
+              <a:avLst>
+                <a:gd name="adj" fmla="val 47951"/>
+              </a:avLst>
+            </a:prstGeom>
+            <a:solidFill>
+              <a:schemeClr val="bg1"/>
+            </a:solidFill>
+            <a:ln>
+              <a:solidFill>
+                <a:schemeClr val="tx1"/>
+              </a:solidFill>
+            </a:ln>
+          </p:spPr>
+          <p:style>
+            <a:lnRef idx="2">
+              <a:schemeClr val="accent1">
+                <a:shade val="50000"/>
+              </a:schemeClr>
+            </a:lnRef>
+            <a:fillRef idx="1">
+              <a:schemeClr val="accent1"/>
+            </a:fillRef>
+            <a:effectRef idx="0">
+              <a:schemeClr val="accent1"/>
+            </a:effectRef>
+            <a:fontRef idx="minor">
+              <a:schemeClr val="lt1"/>
+            </a:fontRef>
+          </p:style>
+          <p:txBody>
+            <a:bodyPr rtlCol="0" anchor="ctr"/>
+            <a:lstStyle/>
+            <a:p>
+              <a:pPr algn="ctr"/>
+              <a:endParaRPr lang="ko-KR" altLang="en-US"/>
+            </a:p>
+          </p:txBody>
+        </p:sp>
+      </p:grpSp>
+      <p:grpSp>
+        <p:nvGrpSpPr>
+          <p:cNvPr id="26" name="그룹 25"/>
+          <p:cNvGrpSpPr/>
+          <p:nvPr/>
+        </p:nvGrpSpPr>
+        <p:grpSpPr>
+          <a:xfrm>
+            <a:off x="3646085" y="2881900"/>
+            <a:ext cx="1944000" cy="1440000"/>
+            <a:chOff x="4051117" y="4516440"/>
+            <a:chExt cx="1944000" cy="1440000"/>
+          </a:xfrm>
+        </p:grpSpPr>
+        <p:sp>
+          <p:nvSpPr>
+            <p:cNvPr id="8" name="직사각형 7"/>
+            <p:cNvSpPr/>
+            <p:nvPr/>
+          </p:nvSpPr>
+          <p:spPr>
+            <a:xfrm>
+              <a:off x="4051117" y="4660440"/>
+              <a:ext cx="1944000" cy="1296000"/>
+            </a:xfrm>
+            <a:prstGeom prst="rect">
+              <a:avLst/>
+            </a:prstGeom>
+            <a:solidFill>
+              <a:schemeClr val="bg1"/>
+            </a:solidFill>
+            <a:ln>
+              <a:solidFill>
+                <a:schemeClr val="tx1"/>
+              </a:solidFill>
+            </a:ln>
+          </p:spPr>
+          <p:style>
+            <a:lnRef idx="2">
+              <a:schemeClr val="accent3">
+                <a:shade val="50000"/>
+              </a:schemeClr>
+            </a:lnRef>
+            <a:fillRef idx="1">
+              <a:schemeClr val="accent3"/>
+            </a:fillRef>
+            <a:effectRef idx="0">
+              <a:schemeClr val="accent3"/>
+            </a:effectRef>
+            <a:fontRef idx="minor">
+              <a:schemeClr val="lt1"/>
+            </a:fontRef>
+          </p:style>
+          <p:txBody>
+            <a:bodyPr rtlCol="0" anchor="ctr"/>
+            <a:lstStyle/>
+            <a:p>
+              <a:pPr algn="ctr"/>
+              <a:r>
+                <a:rPr lang="en-US" altLang="ko-KR" sz="1600" dirty="0" smtClean="0">
+                  <a:solidFill>
+                    <a:schemeClr val="tx1"/>
+                  </a:solidFill>
+                </a:rPr>
+                <a:t>Control Service</a:t>
+              </a:r>
+              <a:endParaRPr lang="ko-KR" altLang="en-US" sz="1600">
+                <a:solidFill>
+                  <a:schemeClr val="tx1"/>
+                </a:solidFill>
+              </a:endParaRPr>
+            </a:p>
+          </p:txBody>
+        </p:sp>
+        <p:sp>
+          <p:nvSpPr>
+            <p:cNvPr id="9" name="사다리꼴 8"/>
+            <p:cNvSpPr/>
+            <p:nvPr/>
+          </p:nvSpPr>
+          <p:spPr>
+            <a:xfrm>
+              <a:off x="4051117" y="4516440"/>
+              <a:ext cx="720000" cy="144000"/>
+            </a:xfrm>
+            <a:prstGeom prst="trapezoid">
+              <a:avLst>
+                <a:gd name="adj" fmla="val 47951"/>
+              </a:avLst>
+            </a:prstGeom>
+            <a:solidFill>
+              <a:schemeClr val="bg1"/>
+            </a:solidFill>
+            <a:ln>
+              <a:solidFill>
+                <a:schemeClr val="tx1"/>
+              </a:solidFill>
+            </a:ln>
+          </p:spPr>
+          <p:style>
+            <a:lnRef idx="2">
+              <a:schemeClr val="accent1">
+                <a:shade val="50000"/>
+              </a:schemeClr>
+            </a:lnRef>
+            <a:fillRef idx="1">
+              <a:schemeClr val="accent1"/>
+            </a:fillRef>
+            <a:effectRef idx="0">
+              <a:schemeClr val="accent1"/>
+            </a:effectRef>
+            <a:fontRef idx="minor">
+              <a:schemeClr val="lt1"/>
+            </a:fontRef>
+          </p:style>
+          <p:txBody>
+            <a:bodyPr rtlCol="0" anchor="ctr"/>
+            <a:lstStyle/>
+            <a:p>
+              <a:pPr algn="ctr"/>
+              <a:endParaRPr lang="ko-KR" altLang="en-US"/>
+            </a:p>
+          </p:txBody>
+        </p:sp>
+      </p:grpSp>
+      <p:sp>
+        <p:nvSpPr>
+          <p:cNvPr id="10" name="모서리가 접힌 도형 9"/>
+          <p:cNvSpPr/>
+          <p:nvPr/>
+        </p:nvSpPr>
+        <p:spPr>
+          <a:xfrm>
+            <a:off x="4438085" y="4730902"/>
+            <a:ext cx="1152000" cy="1296000"/>
+          </a:xfrm>
+          <a:prstGeom prst="foldedCorner">
+            <a:avLst/>
+          </a:prstGeom>
+          <a:solidFill>
+            <a:schemeClr val="accent1">
+              <a:lumMod val="20000"/>
+              <a:lumOff val="80000"/>
+            </a:schemeClr>
+          </a:solidFill>
+          <a:ln>
+            <a:solidFill>
+              <a:schemeClr val="tx1"/>
+            </a:solidFill>
+          </a:ln>
+        </p:spPr>
+        <p:style>
+          <a:lnRef idx="2">
+            <a:schemeClr val="accent1">
+              <a:shade val="50000"/>
+            </a:schemeClr>
+          </a:lnRef>
+          <a:fillRef idx="1">
+            <a:schemeClr val="accent1"/>
+          </a:fillRef>
+          <a:effectRef idx="0">
+            <a:schemeClr val="accent1"/>
+          </a:effectRef>
+          <a:fontRef idx="minor">
+            <a:schemeClr val="lt1"/>
+          </a:fontRef>
+        </p:style>
+        <p:txBody>
+          <a:bodyPr rtlCol="0" anchor="ctr">
+            <a:scene3d>
+              <a:camera prst="orthographicFront">
+                <a:rot lat="0" lon="0" rev="0"/>
+              </a:camera>
+              <a:lightRig rig="threePt" dir="t"/>
+            </a:scene3d>
+          </a:bodyPr>
+          <a:lstStyle/>
+          <a:p>
+            <a:pPr algn="ctr"/>
+            <a:r>
+              <a:rPr lang="en-US" altLang="ko-KR" sz="1400" dirty="0" smtClean="0">
+                <a:solidFill>
+                  <a:schemeClr val="tx1"/>
+                </a:solidFill>
+              </a:rPr>
+              <a:t>Needs to shares common protocol</a:t>
+            </a:r>
+            <a:endParaRPr lang="ko-KR" altLang="en-US" sz="1400">
+              <a:solidFill>
+                <a:schemeClr val="tx1"/>
+              </a:solidFill>
+            </a:endParaRPr>
+          </a:p>
+        </p:txBody>
+      </p:sp>
+      <p:sp>
+        <p:nvSpPr>
+          <p:cNvPr id="11" name="모서리가 접힌 도형 10"/>
+          <p:cNvSpPr/>
+          <p:nvPr/>
+        </p:nvSpPr>
+        <p:spPr>
+          <a:xfrm>
+            <a:off x="1655880" y="4730902"/>
+            <a:ext cx="1152000" cy="1296000"/>
+          </a:xfrm>
+          <a:prstGeom prst="foldedCorner">
+            <a:avLst/>
+          </a:prstGeom>
+          <a:solidFill>
+            <a:schemeClr val="accent1">
+              <a:lumMod val="20000"/>
+              <a:lumOff val="80000"/>
+            </a:schemeClr>
+          </a:solidFill>
+          <a:ln>
+            <a:solidFill>
+              <a:schemeClr val="tx1"/>
+            </a:solidFill>
+          </a:ln>
+        </p:spPr>
+        <p:style>
+          <a:lnRef idx="2">
+            <a:schemeClr val="accent1">
+              <a:shade val="50000"/>
+            </a:schemeClr>
+          </a:lnRef>
+          <a:fillRef idx="1">
+            <a:schemeClr val="accent1"/>
+          </a:fillRef>
+          <a:effectRef idx="0">
+            <a:schemeClr val="accent1"/>
+          </a:effectRef>
+          <a:fontRef idx="minor">
+            <a:schemeClr val="lt1"/>
+          </a:fontRef>
+        </p:style>
+        <p:txBody>
+          <a:bodyPr rtlCol="0" anchor="ctr">
+            <a:scene3d>
+              <a:camera prst="orthographicFront">
+                <a:rot lat="0" lon="0" rev="0"/>
+              </a:camera>
+              <a:lightRig rig="threePt" dir="t"/>
+            </a:scene3d>
+          </a:bodyPr>
+          <a:lstStyle/>
+          <a:p>
+            <a:pPr algn="ctr"/>
+            <a:r>
+              <a:rPr lang="en-US" altLang="ko-KR" sz="1400" dirty="0" smtClean="0">
+                <a:solidFill>
+                  <a:schemeClr val="tx1"/>
+                </a:solidFill>
+              </a:rPr>
+              <a:t>Needs to shares common DB schema</a:t>
+            </a:r>
+            <a:endParaRPr lang="ko-KR" altLang="en-US" sz="1400">
+              <a:solidFill>
+                <a:schemeClr val="tx1"/>
+              </a:solidFill>
+            </a:endParaRPr>
+          </a:p>
+        </p:txBody>
+      </p:sp>
+      <p:cxnSp>
+        <p:nvCxnSpPr>
+          <p:cNvPr id="13" name="직선 연결선 12"/>
+          <p:cNvCxnSpPr>
+            <a:endCxn id="10" idx="0"/>
+          </p:cNvCxnSpPr>
+          <p:nvPr/>
+        </p:nvCxnSpPr>
+        <p:spPr>
+          <a:xfrm>
+            <a:off x="4865995" y="4042601"/>
+            <a:ext cx="148090" cy="688301"/>
+          </a:xfrm>
+          <a:prstGeom prst="line">
+            <a:avLst/>
+          </a:prstGeom>
+          <a:ln w="12700">
+            <a:solidFill>
+              <a:schemeClr val="tx1"/>
+            </a:solidFill>
+            <a:prstDash val="sysDot"/>
+            <a:headEnd type="oval"/>
+          </a:ln>
+        </p:spPr>
+        <p:style>
+          <a:lnRef idx="1">
+            <a:schemeClr val="accent1"/>
+          </a:lnRef>
+          <a:fillRef idx="0">
+            <a:schemeClr val="accent1"/>
+          </a:fillRef>
+          <a:effectRef idx="0">
+            <a:schemeClr val="accent1"/>
+          </a:effectRef>
+          <a:fontRef idx="minor">
+            <a:schemeClr val="tx1"/>
+          </a:fontRef>
+        </p:style>
+      </p:cxnSp>
+      <p:cxnSp>
+        <p:nvCxnSpPr>
+          <p:cNvPr id="15" name="직선 연결선 14"/>
+          <p:cNvCxnSpPr>
+            <a:endCxn id="11" idx="0"/>
+          </p:cNvCxnSpPr>
+          <p:nvPr/>
+        </p:nvCxnSpPr>
+        <p:spPr>
+          <a:xfrm>
+            <a:off x="2183148" y="4006985"/>
+            <a:ext cx="48732" cy="723917"/>
+          </a:xfrm>
+          <a:prstGeom prst="line">
+            <a:avLst/>
+          </a:prstGeom>
+          <a:ln w="12700">
+            <a:solidFill>
+              <a:schemeClr val="tx1"/>
+            </a:solidFill>
+            <a:prstDash val="sysDot"/>
+            <a:headEnd type="oval"/>
+          </a:ln>
+        </p:spPr>
+        <p:style>
+          <a:lnRef idx="1">
+            <a:schemeClr val="accent1"/>
+          </a:lnRef>
+          <a:fillRef idx="0">
+            <a:schemeClr val="accent1"/>
+          </a:fillRef>
+          <a:effectRef idx="0">
+            <a:schemeClr val="accent1"/>
+          </a:effectRef>
+          <a:fontRef idx="minor">
+            <a:schemeClr val="tx1"/>
+          </a:fontRef>
+        </p:style>
+      </p:cxnSp>
+      <p:sp>
+        <p:nvSpPr>
+          <p:cNvPr id="16" name="직사각형 15"/>
+          <p:cNvSpPr/>
+          <p:nvPr/>
+        </p:nvSpPr>
+        <p:spPr>
+          <a:xfrm>
+            <a:off x="6171424" y="989538"/>
+            <a:ext cx="1637800" cy="2067609"/>
+          </a:xfrm>
+          <a:prstGeom prst="rect">
+            <a:avLst/>
+          </a:prstGeom>
+          <a:noFill/>
+          <a:ln>
+            <a:solidFill>
+              <a:schemeClr val="tx1"/>
+            </a:solidFill>
+          </a:ln>
+        </p:spPr>
+        <p:style>
+          <a:lnRef idx="2">
+            <a:schemeClr val="accent1">
+              <a:shade val="50000"/>
+            </a:schemeClr>
+          </a:lnRef>
+          <a:fillRef idx="1">
+            <a:schemeClr val="accent1"/>
+          </a:fillRef>
+          <a:effectRef idx="0">
+            <a:schemeClr val="accent1"/>
+          </a:effectRef>
+          <a:fontRef idx="minor">
+            <a:schemeClr val="lt1"/>
+          </a:fontRef>
+        </p:style>
+        <p:txBody>
+          <a:bodyPr rtlCol="0" anchor="ctr"/>
+          <a:lstStyle/>
+          <a:p>
+            <a:pPr algn="ctr"/>
+            <a:endParaRPr lang="ko-KR" altLang="en-US"/>
+          </a:p>
+        </p:txBody>
+      </p:sp>
+      <p:sp>
+        <p:nvSpPr>
+          <p:cNvPr id="17" name="직사각형 16"/>
+          <p:cNvSpPr/>
+          <p:nvPr/>
+        </p:nvSpPr>
+        <p:spPr>
+          <a:xfrm>
+            <a:off x="6171424" y="1033194"/>
+            <a:ext cx="1637800" cy="360000"/>
+          </a:xfrm>
+          <a:prstGeom prst="rect">
+            <a:avLst/>
+          </a:prstGeom>
+          <a:noFill/>
+          <a:ln>
+            <a:noFill/>
+          </a:ln>
+        </p:spPr>
+        <p:style>
+          <a:lnRef idx="2">
+            <a:schemeClr val="accent1">
+              <a:shade val="50000"/>
+            </a:schemeClr>
+          </a:lnRef>
+          <a:fillRef idx="1">
+            <a:schemeClr val="accent1"/>
+          </a:fillRef>
+          <a:effectRef idx="0">
+            <a:schemeClr val="accent1"/>
+          </a:effectRef>
+          <a:fontRef idx="minor">
+            <a:schemeClr val="lt1"/>
+          </a:fontRef>
+        </p:style>
+        <p:txBody>
+          <a:bodyPr lIns="144000" rtlCol="0" anchor="ctr"/>
+          <a:lstStyle/>
+          <a:p>
+            <a:r>
+              <a:rPr lang="en-US" altLang="ko-KR" sz="1400" b="1" i="1" u="sng" dirty="0" smtClean="0">
+                <a:solidFill>
+                  <a:schemeClr val="tx1"/>
+                </a:solidFill>
+              </a:rPr>
+              <a:t>Legend</a:t>
+            </a:r>
+            <a:endParaRPr lang="ko-KR" altLang="en-US" sz="1400" b="1" i="1" u="sng">
+              <a:solidFill>
+                <a:schemeClr val="tx1"/>
+              </a:solidFill>
+            </a:endParaRPr>
+          </a:p>
+        </p:txBody>
+      </p:sp>
+      <p:graphicFrame>
+        <p:nvGraphicFramePr>
+          <p:cNvPr id="18" name="표 17"/>
+          <p:cNvGraphicFramePr>
+            <a:graphicFrameLocks noGrp="1"/>
+          </p:cNvGraphicFramePr>
+          <p:nvPr>
+            <p:extLst>
+              <p:ext uri="{D42A27DB-BD31-4B8C-83A1-F6EECF244321}">
+                <p14:modId xmlns:p14="http://schemas.microsoft.com/office/powerpoint/2010/main" val="3668799010"/>
+              </p:ext>
+            </p:extLst>
+          </p:nvPr>
+        </p:nvGraphicFramePr>
+        <p:xfrm>
+          <a:off x="6903972" y="1395594"/>
+          <a:ext cx="900402" cy="1517554"/>
+        </p:xfrm>
+        <a:graphic>
+          <a:graphicData uri="http://schemas.openxmlformats.org/drawingml/2006/table">
+            <a:tbl>
+              <a:tblPr firstRow="1" bandRow="1">
+                <a:tableStyleId>{2D5ABB26-0587-4C30-8999-92F81FD0307C}</a:tableStyleId>
+              </a:tblPr>
+              <a:tblGrid>
+                <a:gridCol w="900402"/>
+              </a:tblGrid>
+              <a:tr h="758777">
+                <a:tc>
+                  <a:txBody>
+                    <a:bodyPr/>
+                    <a:lstStyle/>
+                    <a:p>
+                      <a:pPr algn="l" latinLnBrk="1"/>
+                      <a:r>
+                        <a:rPr lang="en-US" altLang="ko-KR" sz="1400" dirty="0" smtClean="0">
+                          <a:latin typeface="+mn-lt"/>
+                        </a:rPr>
+                        <a:t>Package</a:t>
+                      </a:r>
+                      <a:endParaRPr lang="ko-KR" altLang="en-US" sz="1400" dirty="0">
+                        <a:latin typeface="+mn-lt"/>
+                      </a:endParaRPr>
+                    </a:p>
+                  </a:txBody>
+                  <a:tcPr anchor="ctr"/>
+                </a:tc>
+              </a:tr>
+              <a:tr h="758777">
+                <a:tc>
+                  <a:txBody>
+                    <a:bodyPr/>
+                    <a:lstStyle/>
+                    <a:p>
+                      <a:pPr algn="l" latinLnBrk="1"/>
+                      <a:r>
+                        <a:rPr lang="en-US" altLang="ko-KR" sz="1400" dirty="0" smtClean="0">
+                          <a:latin typeface="+mn-lt"/>
+                        </a:rPr>
+                        <a:t>Note</a:t>
+                      </a:r>
+                    </a:p>
+                    <a:p>
+                      <a:pPr algn="l" latinLnBrk="1"/>
+                      <a:endParaRPr lang="en-US" altLang="ko-KR" sz="1400" dirty="0" smtClean="0">
+                        <a:latin typeface="+mn-lt"/>
+                      </a:endParaRPr>
+                    </a:p>
+                    <a:p>
+                      <a:pPr algn="l" latinLnBrk="1"/>
+                      <a:r>
+                        <a:rPr lang="en-US" altLang="ko-KR" sz="1400" dirty="0" smtClean="0">
+                          <a:latin typeface="+mn-lt"/>
+                        </a:rPr>
+                        <a:t>Uses</a:t>
+                      </a:r>
+                      <a:endParaRPr lang="ko-KR" altLang="en-US" sz="1400">
+                        <a:latin typeface="+mn-lt"/>
+                      </a:endParaRPr>
+                    </a:p>
+                  </a:txBody>
+                  <a:tcPr anchor="ctr"/>
+                </a:tc>
+              </a:tr>
+            </a:tbl>
+          </a:graphicData>
+        </a:graphic>
+      </p:graphicFrame>
+      <p:grpSp>
+        <p:nvGrpSpPr>
+          <p:cNvPr id="19" name="그룹 18"/>
+          <p:cNvGrpSpPr/>
+          <p:nvPr/>
+        </p:nvGrpSpPr>
+        <p:grpSpPr>
+          <a:xfrm>
+            <a:off x="6332333" y="1469225"/>
+            <a:ext cx="442635" cy="361564"/>
+            <a:chOff x="5057814" y="590160"/>
+            <a:chExt cx="1944000" cy="1440000"/>
+          </a:xfrm>
+        </p:grpSpPr>
+        <p:sp>
+          <p:nvSpPr>
+            <p:cNvPr id="20" name="직사각형 19"/>
+            <p:cNvSpPr/>
+            <p:nvPr/>
+          </p:nvSpPr>
+          <p:spPr>
+            <a:xfrm>
+              <a:off x="5057814" y="734160"/>
+              <a:ext cx="1944000" cy="1296000"/>
+            </a:xfrm>
+            <a:prstGeom prst="rect">
+              <a:avLst/>
+            </a:prstGeom>
+            <a:solidFill>
+              <a:schemeClr val="bg1"/>
+            </a:solidFill>
+            <a:ln>
+              <a:solidFill>
+                <a:schemeClr val="tx1"/>
+              </a:solidFill>
+            </a:ln>
+          </p:spPr>
+          <p:style>
+            <a:lnRef idx="2">
+              <a:schemeClr val="accent3">
+                <a:shade val="50000"/>
+              </a:schemeClr>
+            </a:lnRef>
+            <a:fillRef idx="1">
+              <a:schemeClr val="accent3"/>
+            </a:fillRef>
+            <a:effectRef idx="0">
+              <a:schemeClr val="accent3"/>
+            </a:effectRef>
+            <a:fontRef idx="minor">
+              <a:schemeClr val="lt1"/>
+            </a:fontRef>
+          </p:style>
+          <p:txBody>
+            <a:bodyPr rtlCol="0" anchor="ctr"/>
+            <a:lstStyle/>
+            <a:p>
+              <a:pPr algn="ctr"/>
+              <a:endParaRPr lang="ko-KR" altLang="en-US" sz="1600" dirty="0">
+                <a:solidFill>
+                  <a:schemeClr val="tx1"/>
+                </a:solidFill>
+              </a:endParaRPr>
+            </a:p>
+          </p:txBody>
+        </p:sp>
+        <p:sp>
+          <p:nvSpPr>
+            <p:cNvPr id="21" name="사다리꼴 20"/>
+            <p:cNvSpPr/>
+            <p:nvPr/>
+          </p:nvSpPr>
+          <p:spPr>
+            <a:xfrm>
+              <a:off x="5057814" y="590160"/>
+              <a:ext cx="720000" cy="144000"/>
+            </a:xfrm>
+            <a:prstGeom prst="trapezoid">
+              <a:avLst>
+                <a:gd name="adj" fmla="val 47951"/>
+              </a:avLst>
+            </a:prstGeom>
+            <a:solidFill>
+              <a:schemeClr val="bg1"/>
+            </a:solidFill>
+            <a:ln>
+              <a:solidFill>
+                <a:schemeClr val="tx1"/>
+              </a:solidFill>
+            </a:ln>
+          </p:spPr>
+          <p:style>
+            <a:lnRef idx="2">
+              <a:schemeClr val="accent1">
+                <a:shade val="50000"/>
+              </a:schemeClr>
+            </a:lnRef>
+            <a:fillRef idx="1">
+              <a:schemeClr val="accent1"/>
+            </a:fillRef>
+            <a:effectRef idx="0">
+              <a:schemeClr val="accent1"/>
+            </a:effectRef>
+            <a:fontRef idx="minor">
+              <a:schemeClr val="lt1"/>
+            </a:fontRef>
+          </p:style>
+          <p:txBody>
+            <a:bodyPr rtlCol="0" anchor="ctr"/>
+            <a:lstStyle/>
+            <a:p>
+              <a:pPr algn="ctr"/>
+              <a:endParaRPr lang="ko-KR" altLang="en-US"/>
+            </a:p>
+          </p:txBody>
+        </p:sp>
+      </p:grpSp>
+      <p:sp>
+        <p:nvSpPr>
+          <p:cNvPr id="22" name="모서리가 접힌 도형 21"/>
+          <p:cNvSpPr/>
+          <p:nvPr/>
+        </p:nvSpPr>
+        <p:spPr>
+          <a:xfrm>
+            <a:off x="6332333" y="2050444"/>
+            <a:ext cx="451846" cy="325408"/>
+          </a:xfrm>
+          <a:prstGeom prst="foldedCorner">
+            <a:avLst/>
+          </a:prstGeom>
+          <a:solidFill>
+            <a:schemeClr val="accent1">
+              <a:lumMod val="20000"/>
+              <a:lumOff val="80000"/>
+            </a:schemeClr>
+          </a:solidFill>
+          <a:ln>
+            <a:solidFill>
+              <a:schemeClr val="tx1"/>
+            </a:solidFill>
+          </a:ln>
+        </p:spPr>
+        <p:style>
+          <a:lnRef idx="2">
+            <a:schemeClr val="accent1">
+              <a:shade val="50000"/>
+            </a:schemeClr>
+          </a:lnRef>
+          <a:fillRef idx="1">
+            <a:schemeClr val="accent1"/>
+          </a:fillRef>
+          <a:effectRef idx="0">
+            <a:schemeClr val="accent1"/>
+          </a:effectRef>
+          <a:fontRef idx="minor">
+            <a:schemeClr val="lt1"/>
+          </a:fontRef>
+        </p:style>
+        <p:txBody>
+          <a:bodyPr rtlCol="0" anchor="ctr">
+            <a:scene3d>
+              <a:camera prst="orthographicFront">
+                <a:rot lat="0" lon="0" rev="0"/>
+              </a:camera>
+              <a:lightRig rig="threePt" dir="t"/>
+            </a:scene3d>
+          </a:bodyPr>
+          <a:lstStyle/>
+          <a:p>
+            <a:pPr algn="ctr"/>
+            <a:endParaRPr lang="ko-KR" altLang="en-US" sz="1400" dirty="0">
+              <a:solidFill>
+                <a:schemeClr val="tx1"/>
+              </a:solidFill>
+            </a:endParaRPr>
+          </a:p>
+        </p:txBody>
+      </p:sp>
+      <p:sp>
+        <p:nvSpPr>
+          <p:cNvPr id="23" name="직사각형 22"/>
+          <p:cNvSpPr/>
+          <p:nvPr/>
+        </p:nvSpPr>
+        <p:spPr>
+          <a:xfrm>
+            <a:off x="601675" y="686707"/>
+            <a:ext cx="7541338" cy="5533024"/>
+          </a:xfrm>
+          <a:prstGeom prst="rect">
+            <a:avLst/>
+          </a:prstGeom>
+          <a:noFill/>
+          <a:ln>
+            <a:solidFill>
+              <a:schemeClr val="tx1"/>
+            </a:solidFill>
+          </a:ln>
+        </p:spPr>
+        <p:style>
+          <a:lnRef idx="2">
+            <a:schemeClr val="accent1">
+              <a:shade val="50000"/>
+            </a:schemeClr>
+          </a:lnRef>
+          <a:fillRef idx="1">
+            <a:schemeClr val="accent1"/>
+          </a:fillRef>
+          <a:effectRef idx="0">
+            <a:schemeClr val="accent1"/>
+          </a:effectRef>
+          <a:fontRef idx="minor">
+            <a:schemeClr val="lt1"/>
+          </a:fontRef>
+        </p:style>
+        <p:txBody>
+          <a:bodyPr rtlCol="0" anchor="ctr"/>
+          <a:lstStyle/>
+          <a:p>
+            <a:pPr algn="ctr"/>
+            <a:endParaRPr lang="ko-KR" altLang="en-US"/>
+          </a:p>
+        </p:txBody>
+      </p:sp>
+      <p:cxnSp>
+        <p:nvCxnSpPr>
+          <p:cNvPr id="30" name="직선 화살표 연결선 29"/>
+          <p:cNvCxnSpPr>
+            <a:stCxn id="6" idx="0"/>
+          </p:cNvCxnSpPr>
+          <p:nvPr/>
+        </p:nvCxnSpPr>
+        <p:spPr>
+          <a:xfrm flipV="1">
+            <a:off x="1996494" y="2391709"/>
+            <a:ext cx="972000" cy="634191"/>
+          </a:xfrm>
+          <a:prstGeom prst="straightConnector1">
+            <a:avLst/>
+          </a:prstGeom>
+          <a:ln>
+            <a:prstDash val="sysDash"/>
+            <a:tailEnd type="triangle"/>
+          </a:ln>
+        </p:spPr>
+        <p:style>
+          <a:lnRef idx="1">
+            <a:schemeClr val="dk1"/>
+          </a:lnRef>
+          <a:fillRef idx="0">
+            <a:schemeClr val="dk1"/>
+          </a:fillRef>
+          <a:effectRef idx="0">
+            <a:schemeClr val="dk1"/>
+          </a:effectRef>
+          <a:fontRef idx="minor">
+            <a:schemeClr val="tx1"/>
+          </a:fontRef>
+        </p:style>
+      </p:cxnSp>
+      <p:cxnSp>
+        <p:nvCxnSpPr>
+          <p:cNvPr id="32" name="직선 화살표 연결선 31"/>
+          <p:cNvCxnSpPr>
+            <a:stCxn id="8" idx="0"/>
+          </p:cNvCxnSpPr>
+          <p:nvPr/>
+        </p:nvCxnSpPr>
+        <p:spPr>
+          <a:xfrm flipH="1" flipV="1">
+            <a:off x="3595900" y="2391709"/>
+            <a:ext cx="1022185" cy="634191"/>
+          </a:xfrm>
+          <a:prstGeom prst="straightConnector1">
+            <a:avLst/>
+          </a:prstGeom>
+          <a:ln>
+            <a:prstDash val="sysDash"/>
+            <a:tailEnd type="triangle"/>
+          </a:ln>
+        </p:spPr>
+        <p:style>
+          <a:lnRef idx="1">
+            <a:schemeClr val="dk1"/>
+          </a:lnRef>
+          <a:fillRef idx="0">
+            <a:schemeClr val="dk1"/>
+          </a:fillRef>
+          <a:effectRef idx="0">
+            <a:schemeClr val="dk1"/>
+          </a:effectRef>
+          <a:fontRef idx="minor">
+            <a:schemeClr val="tx1"/>
+          </a:fontRef>
+        </p:style>
+      </p:cxnSp>
+      <p:cxnSp>
+        <p:nvCxnSpPr>
+          <p:cNvPr id="36" name="직선 화살표 연결선 35"/>
+          <p:cNvCxnSpPr/>
+          <p:nvPr/>
+        </p:nvCxnSpPr>
+        <p:spPr>
+          <a:xfrm flipV="1">
+            <a:off x="6360011" y="2740052"/>
+            <a:ext cx="424168" cy="12201"/>
+          </a:xfrm>
+          <a:prstGeom prst="straightConnector1">
+            <a:avLst/>
+          </a:prstGeom>
+          <a:ln>
+            <a:prstDash val="sysDash"/>
+            <a:tailEnd type="triangle"/>
+          </a:ln>
+        </p:spPr>
+        <p:style>
+          <a:lnRef idx="1">
+            <a:schemeClr val="dk1"/>
+          </a:lnRef>
+          <a:fillRef idx="0">
+            <a:schemeClr val="dk1"/>
+          </a:fillRef>
+          <a:effectRef idx="0">
+            <a:schemeClr val="dk1"/>
+          </a:effectRef>
+          <a:fontRef idx="minor">
+            <a:schemeClr val="tx1"/>
+          </a:fontRef>
+        </p:style>
+      </p:cxnSp>
+    </p:spTree>
+    <p:extLst>
+      <p:ext uri="{BB962C8B-B14F-4D97-AF65-F5344CB8AC3E}">
+        <p14:creationId xmlns:p14="http://schemas.microsoft.com/office/powerpoint/2010/main" val="1513557640"/>
+      </p:ext>
+    </p:extLst>
+  </p:cSld>
+  <p:clrMapOvr>
+    <a:masterClrMapping/>
+  </p:clrMapOvr>
+</p:sld>
+</file>
+
 <file path=ppt/slides/slide2.xml><?xml version="1.0" encoding="utf-8"?>
 <p:sld xmlns:a="http://schemas.openxmlformats.org/drawingml/2006/main" xmlns:r="http://schemas.openxmlformats.org/officeDocument/2006/relationships" xmlns:p="http://schemas.openxmlformats.org/presentationml/2006/main">
   <p:cSld>
@@ -7488,6 +8632,52 @@
                 <a:schemeClr val="tx1"/>
               </a:solidFill>
             </a:endParaRPr>
+          </a:p>
+        </p:txBody>
+      </p:sp>
+      <p:sp>
+        <p:nvSpPr>
+          <p:cNvPr id="5" name="직사각형 4"/>
+          <p:cNvSpPr/>
+          <p:nvPr/>
+        </p:nvSpPr>
+        <p:spPr>
+          <a:xfrm>
+            <a:off x="628650" y="1874067"/>
+            <a:ext cx="7610003" cy="4445252"/>
+          </a:xfrm>
+          <a:prstGeom prst="rect">
+            <a:avLst/>
+          </a:prstGeom>
+          <a:noFill/>
+          <a:ln>
+            <a:solidFill>
+              <a:schemeClr val="tx1"/>
+            </a:solidFill>
+          </a:ln>
+        </p:spPr>
+        <p:style>
+          <a:lnRef idx="2">
+            <a:schemeClr val="accent1">
+              <a:shade val="50000"/>
+            </a:schemeClr>
+          </a:lnRef>
+          <a:fillRef idx="1">
+            <a:schemeClr val="accent1"/>
+          </a:fillRef>
+          <a:effectRef idx="0">
+            <a:schemeClr val="accent1"/>
+          </a:effectRef>
+          <a:fontRef idx="minor">
+            <a:schemeClr val="lt1"/>
+          </a:fontRef>
+        </p:style>
+        <p:txBody>
+          <a:bodyPr rtlCol="0" anchor="ctr"/>
+          <a:lstStyle/>
+          <a:p>
+            <a:pPr algn="ctr"/>
+            <a:endParaRPr lang="ko-KR" altLang="en-US"/>
           </a:p>
         </p:txBody>
       </p:sp>
